--- a/StudentWork/Nada/Project_01/SITE_PROJECT_TEMPLATE.pptx
+++ b/StudentWork/Nada/Project_01/SITE_PROJECT_TEMPLATE.pptx
@@ -1,19 +1,20 @@
 
 <file path=ppt/presentation.xml><?xml version="1.0" encoding="utf-8"?>
-<p:presentation xmlns:a="http://schemas.openxmlformats.org/drawingml/2006/main" xmlns:r="http://schemas.openxmlformats.org/officeDocument/2006/relationships" xmlns:p="http://schemas.openxmlformats.org/presentationml/2006/main" xmlns:m="http://schemas.openxmlformats.org/officeDocument/2006/math" xmlns:a14="http://schemas.microsoft.com/office/drawing/2010/main">
+<p:presentation xmlns:a="http://schemas.openxmlformats.org/drawingml/2006/main" xmlns:r="http://schemas.openxmlformats.org/officeDocument/2006/relationships" xmlns:p="http://schemas.openxmlformats.org/presentationml/2006/main">
   <p:sldMasterIdLst>
-    <p:sldMasterId id="2147483648" r:id="rId5"/>
+    <p:sldMasterId id="2147483648" r:id="rId1"/>
   </p:sldMasterIdLst>
   <p:notesMasterIdLst>
-    <p:notesMasterId r:id="rId7"/>
+    <p:notesMasterId r:id="rId9"/>
   </p:notesMasterIdLst>
   <p:sldIdLst>
-    <p:sldId id="256" r:id="rId8"/>
-    <p:sldId id="257" r:id="rId9"/>
-    <p:sldId id="258" r:id="rId10"/>
-    <p:sldId id="259" r:id="rId11"/>
-    <p:sldId id="260" r:id="rId12"/>
-    <p:sldId id="261" r:id="rId13"/>
+    <p:sldId id="256" r:id="rId2"/>
+    <p:sldId id="262" r:id="rId3"/>
+    <p:sldId id="257" r:id="rId4"/>
+    <p:sldId id="258" r:id="rId5"/>
+    <p:sldId id="259" r:id="rId6"/>
+    <p:sldId id="260" r:id="rId7"/>
+    <p:sldId id="261" r:id="rId8"/>
   </p:sldIdLst>
   <p:sldSz cx="12192000" cy="6858000"/>
   <p:notesSz cx="6858000" cy="9144000"/>
@@ -33,7 +34,7 @@
       <a:buFontTx/>
       <a:buNone/>
       <a:tabLst/>
-      <a:defRPr b="0" baseline="0" cap="none" i="0" spc="0" strike="noStrike" sz="1800" u="none" kumimoji="0" normalizeH="0">
+      <a:defRPr kumimoji="0" sz="1800" b="0" i="0" u="none" strike="noStrike" cap="none" spc="0" normalizeH="0" baseline="0">
         <a:ln>
           <a:noFill/>
         </a:ln>
@@ -59,7 +60,7 @@
       <a:buFontTx/>
       <a:buNone/>
       <a:tabLst/>
-      <a:defRPr b="0" baseline="0" cap="none" i="0" spc="0" strike="noStrike" sz="1800" u="none" kumimoji="0" normalizeH="0">
+      <a:defRPr kumimoji="0" sz="1800" b="0" i="0" u="none" strike="noStrike" cap="none" spc="0" normalizeH="0" baseline="0">
         <a:ln>
           <a:noFill/>
         </a:ln>
@@ -89,7 +90,7 @@
       <a:buFontTx/>
       <a:buNone/>
       <a:tabLst/>
-      <a:defRPr b="0" baseline="0" cap="none" i="0" spc="0" strike="noStrike" sz="1800" u="none" kumimoji="0" normalizeH="0">
+      <a:defRPr kumimoji="0" sz="1800" b="0" i="0" u="none" strike="noStrike" cap="none" spc="0" normalizeH="0" baseline="0">
         <a:ln>
           <a:noFill/>
         </a:ln>
@@ -119,7 +120,7 @@
       <a:buFontTx/>
       <a:buNone/>
       <a:tabLst/>
-      <a:defRPr b="0" baseline="0" cap="none" i="0" spc="0" strike="noStrike" sz="1800" u="none" kumimoji="0" normalizeH="0">
+      <a:defRPr kumimoji="0" sz="1800" b="0" i="0" u="none" strike="noStrike" cap="none" spc="0" normalizeH="0" baseline="0">
         <a:ln>
           <a:noFill/>
         </a:ln>
@@ -149,7 +150,7 @@
       <a:buFontTx/>
       <a:buNone/>
       <a:tabLst/>
-      <a:defRPr b="0" baseline="0" cap="none" i="0" spc="0" strike="noStrike" sz="1800" u="none" kumimoji="0" normalizeH="0">
+      <a:defRPr kumimoji="0" sz="1800" b="0" i="0" u="none" strike="noStrike" cap="none" spc="0" normalizeH="0" baseline="0">
         <a:ln>
           <a:noFill/>
         </a:ln>
@@ -179,7 +180,7 @@
       <a:buFontTx/>
       <a:buNone/>
       <a:tabLst/>
-      <a:defRPr b="0" baseline="0" cap="none" i="0" spc="0" strike="noStrike" sz="1800" u="none" kumimoji="0" normalizeH="0">
+      <a:defRPr kumimoji="0" sz="1800" b="0" i="0" u="none" strike="noStrike" cap="none" spc="0" normalizeH="0" baseline="0">
         <a:ln>
           <a:noFill/>
         </a:ln>
@@ -209,7 +210,7 @@
       <a:buFontTx/>
       <a:buNone/>
       <a:tabLst/>
-      <a:defRPr b="0" baseline="0" cap="none" i="0" spc="0" strike="noStrike" sz="1800" u="none" kumimoji="0" normalizeH="0">
+      <a:defRPr kumimoji="0" sz="1800" b="0" i="0" u="none" strike="noStrike" cap="none" spc="0" normalizeH="0" baseline="0">
         <a:ln>
           <a:noFill/>
         </a:ln>
@@ -239,7 +240,7 @@
       <a:buFontTx/>
       <a:buNone/>
       <a:tabLst/>
-      <a:defRPr b="0" baseline="0" cap="none" i="0" spc="0" strike="noStrike" sz="1800" u="none" kumimoji="0" normalizeH="0">
+      <a:defRPr kumimoji="0" sz="1800" b="0" i="0" u="none" strike="noStrike" cap="none" spc="0" normalizeH="0" baseline="0">
         <a:ln>
           <a:noFill/>
         </a:ln>
@@ -269,7 +270,7 @@
       <a:buFontTx/>
       <a:buNone/>
       <a:tabLst/>
-      <a:defRPr b="0" baseline="0" cap="none" i="0" spc="0" strike="noStrike" sz="1800" u="none" kumimoji="0" normalizeH="0">
+      <a:defRPr kumimoji="0" sz="1800" b="0" i="0" u="none" strike="noStrike" cap="none" spc="0" normalizeH="0" baseline="0">
         <a:ln>
           <a:noFill/>
         </a:ln>
@@ -299,7 +300,7 @@
       <a:buFontTx/>
       <a:buNone/>
       <a:tabLst/>
-      <a:defRPr b="0" baseline="0" cap="none" i="0" spc="0" strike="noStrike" sz="1800" u="none" kumimoji="0" normalizeH="0">
+      <a:defRPr kumimoji="0" sz="1800" b="0" i="0" u="none" strike="noStrike" cap="none" spc="0" normalizeH="0" baseline="0">
         <a:ln>
           <a:noFill/>
         </a:ln>
@@ -315,16 +316,33 @@
       </a:defRPr>
     </a:lvl9pPr>
   </p:defaultTextStyle>
+  <p:extLst>
+    <p:ext uri="{EFAFB233-063F-42B5-8137-9DF3F51BA10A}">
+      <p15:sldGuideLst xmlns:p15="http://schemas.microsoft.com/office/powerpoint/2012/main">
+        <p15:guide id="1" orient="horz" pos="2160" userDrawn="1">
+          <p15:clr>
+            <a:srgbClr val="A4A3A4"/>
+          </p15:clr>
+        </p15:guide>
+        <p15:guide id="2" pos="3840" userDrawn="1">
+          <p15:clr>
+            <a:srgbClr val="A4A3A4"/>
+          </p15:clr>
+        </p15:guide>
+      </p15:sldGuideLst>
+    </p:ext>
+  </p:extLst>
 </p:presentation>
 </file>
 
-<file path=ppt/commentAuthors.xml><?xml version="1.0" encoding="utf-8"?>
-<p:cmAuthorLst xmlns:a="http://schemas.openxmlformats.org/drawingml/2006/main" xmlns:r="http://schemas.openxmlformats.org/officeDocument/2006/relationships" xmlns:p="http://schemas.openxmlformats.org/presentationml/2006/main" xmlns:m="http://schemas.openxmlformats.org/officeDocument/2006/math" xmlns:a14="http://schemas.microsoft.com/office/drawing/2010/main"/>
-</file>
-
 <file path=ppt/notesMasters/notesMaster1.xml><?xml version="1.0" encoding="utf-8"?>
-<p:notesMaster xmlns:a="http://schemas.openxmlformats.org/drawingml/2006/main" xmlns:r="http://schemas.openxmlformats.org/officeDocument/2006/relationships" xmlns:p="http://schemas.openxmlformats.org/presentationml/2006/main" xmlns:m="http://schemas.openxmlformats.org/officeDocument/2006/math" xmlns:a14="http://schemas.microsoft.com/office/drawing/2010/main">
+<p:notesMaster xmlns:a="http://schemas.openxmlformats.org/drawingml/2006/main" xmlns:r="http://schemas.openxmlformats.org/officeDocument/2006/relationships" xmlns:p="http://schemas.openxmlformats.org/presentationml/2006/main">
   <p:cSld>
+    <p:bg>
+      <p:bgRef idx="1001">
+        <a:schemeClr val="bg1"/>
+      </p:bgRef>
+    </p:bg>
     <p:spTree>
       <p:nvGrpSpPr>
         <p:cNvPr id="1" name=""/>
@@ -342,7 +360,9 @@
       <p:sp>
         <p:nvSpPr>
           <p:cNvPr id="100" name="Shape 100"/>
-          <p:cNvSpPr/>
+          <p:cNvSpPr>
+            <a:spLocks noGrp="1" noRot="1" noChangeAspect="1"/>
+          </p:cNvSpPr>
           <p:nvPr>
             <p:ph type="sldImg"/>
           </p:nvPr>
@@ -360,14 +380,16 @@
           <a:bodyPr/>
           <a:lstStyle/>
           <a:p>
-            <a:pPr/>
+            <a:endParaRPr/>
           </a:p>
         </p:txBody>
       </p:sp>
       <p:sp>
         <p:nvSpPr>
           <p:cNvPr id="101" name="Shape 101"/>
-          <p:cNvSpPr/>
+          <p:cNvSpPr>
+            <a:spLocks noGrp="1"/>
+          </p:cNvSpPr>
           <p:nvPr>
             <p:ph type="body" sz="quarter" idx="1"/>
           </p:nvPr>
@@ -385,11 +407,16 @@
           <a:bodyPr/>
           <a:lstStyle/>
           <a:p>
-            <a:pPr/>
+            <a:endParaRPr/>
           </a:p>
         </p:txBody>
       </p:sp>
     </p:spTree>
+    <p:extLst>
+      <p:ext uri="{BB962C8B-B14F-4D97-AF65-F5344CB8AC3E}">
+        <p14:creationId xmlns:p14="http://schemas.microsoft.com/office/powerpoint/2010/main" val="944124541"/>
+      </p:ext>
+    </p:extLst>
   </p:cSld>
   <p:clrMap bg1="lt1" tx1="dk1" bg2="lt2" tx2="dk2" accent1="accent1" accent2="accent2" accent3="accent3" accent4="accent4" accent5="accent5" accent6="accent6" hlink="hlink" folHlink="folHlink"/>
   <p:notesStyle>
@@ -470,7 +497,7 @@
 </file>
 
 <file path=ppt/slideLayouts/slideLayout1.xml><?xml version="1.0" encoding="utf-8"?>
-<p:sldLayout xmlns:a="http://schemas.openxmlformats.org/drawingml/2006/main" xmlns:r="http://schemas.openxmlformats.org/officeDocument/2006/relationships" xmlns:p="http://schemas.openxmlformats.org/presentationml/2006/main" xmlns:m="http://schemas.openxmlformats.org/officeDocument/2006/math" xmlns:a14="http://schemas.microsoft.com/office/drawing/2010/main" type="title" showMasterSp="1" showMasterPhAnim="1">
+<p:sldLayout xmlns:a="http://schemas.openxmlformats.org/drawingml/2006/main" xmlns:r="http://schemas.openxmlformats.org/officeDocument/2006/relationships" xmlns:p="http://schemas.openxmlformats.org/presentationml/2006/main" type="title">
   <p:cSld name="Title Slide">
     <p:spTree>
       <p:nvGrpSpPr>
@@ -489,7 +516,9 @@
       <p:sp>
         <p:nvSpPr>
           <p:cNvPr id="11" name="Title Text"/>
-          <p:cNvSpPr txBox="1"/>
+          <p:cNvSpPr txBox="1">
+            <a:spLocks noGrp="1"/>
+          </p:cNvSpPr>
           <p:nvPr>
             <p:ph type="title"/>
           </p:nvPr>
@@ -511,7 +540,6 @@
             </a:lvl1pPr>
           </a:lstStyle>
           <a:p>
-            <a:pPr/>
             <a:r>
               <a:t>Title Text</a:t>
             </a:r>
@@ -521,7 +549,9 @@
       <p:sp>
         <p:nvSpPr>
           <p:cNvPr id="12" name="Body Level One…"/>
-          <p:cNvSpPr txBox="1"/>
+          <p:cNvSpPr txBox="1">
+            <a:spLocks noGrp="1"/>
+          </p:cNvSpPr>
           <p:nvPr>
             <p:ph type="body" sz="quarter" idx="1"/>
           </p:nvPr>
@@ -570,7 +600,6 @@
             </a:lvl5pPr>
           </a:lstStyle>
           <a:p>
-            <a:pPr/>
             <a:r>
               <a:t>Body Level One</a:t>
             </a:r>
@@ -604,7 +633,9 @@
       <p:sp>
         <p:nvSpPr>
           <p:cNvPr id="13" name="Slide Number"/>
-          <p:cNvSpPr txBox="1"/>
+          <p:cNvSpPr txBox="1">
+            <a:spLocks noGrp="1"/>
+          </p:cNvSpPr>
           <p:nvPr>
             <p:ph type="sldNum" sz="quarter" idx="2"/>
           </p:nvPr>
@@ -618,8 +649,10 @@
           <a:bodyPr/>
           <a:lstStyle/>
           <a:p>
-            <a:pPr/>
-            <a:fld id="{86CB4B4D-7CA3-9044-876B-883B54F8677D}" type="slidenum"/>
+            <a:fld id="{86CB4B4D-7CA3-9044-876B-883B54F8677D}" type="slidenum">
+              <a:t>‹#›</a:t>
+            </a:fld>
+            <a:endParaRPr/>
           </a:p>
         </p:txBody>
       </p:sp>
@@ -628,257 +661,12 @@
   <p:clrMapOvr>
     <a:masterClrMapping/>
   </p:clrMapOvr>
-  <p:transition xmlns:p14="http://schemas.microsoft.com/office/powerpoint/2010/main" spd="med" advClick="1"/>
-</p:sldLayout>
-</file>
-
-<file path=ppt/slideLayouts/slideLayout10.xml><?xml version="1.0" encoding="utf-8"?>
-<p:sldLayout xmlns:a="http://schemas.openxmlformats.org/drawingml/2006/main" xmlns:r="http://schemas.openxmlformats.org/officeDocument/2006/relationships" xmlns:p="http://schemas.openxmlformats.org/presentationml/2006/main" xmlns:m="http://schemas.openxmlformats.org/officeDocument/2006/math" xmlns:a14="http://schemas.microsoft.com/office/drawing/2010/main" type="tx" showMasterSp="1" showMasterPhAnim="1">
-  <p:cSld name="4_Title Slide">
-    <p:bg>
-      <p:bgPr>
-        <a:solidFill>
-          <a:srgbClr val="F1F2EA"/>
-        </a:solidFill>
-      </p:bgPr>
-    </p:bg>
-    <p:spTree>
-      <p:nvGrpSpPr>
-        <p:cNvPr id="1" name=""/>
-        <p:cNvGrpSpPr/>
-        <p:nvPr/>
-      </p:nvGrpSpPr>
-      <p:grpSpPr>
-        <a:xfrm>
-          <a:off x="0" y="0"/>
-          <a:ext cx="0" cy="0"/>
-          <a:chOff x="0" y="0"/>
-          <a:chExt cx="0" cy="0"/>
-        </a:xfrm>
-      </p:grpSpPr>
-      <p:pic>
-        <p:nvPicPr>
-          <p:cNvPr id="92" name="Picture 3" descr="Picture 3"/>
-          <p:cNvPicPr>
-            <a:picLocks noChangeAspect="1"/>
-          </p:cNvPicPr>
-          <p:nvPr/>
-        </p:nvPicPr>
-        <p:blipFill>
-          <a:blip r:embed="rId2">
-            <a:extLst/>
-          </a:blip>
-          <a:stretch>
-            <a:fillRect/>
-          </a:stretch>
-        </p:blipFill>
-        <p:spPr>
-          <a:xfrm>
-            <a:off x="524021" y="5988379"/>
-            <a:ext cx="1264072" cy="462599"/>
-          </a:xfrm>
-          <a:prstGeom prst="rect">
-            <a:avLst/>
-          </a:prstGeom>
-          <a:ln w="12700">
-            <a:miter lim="400000"/>
-          </a:ln>
-        </p:spPr>
-      </p:pic>
-      <p:sp>
-        <p:nvSpPr>
-          <p:cNvPr id="93" name="Title Text"/>
-          <p:cNvSpPr txBox="1"/>
-          <p:nvPr>
-            <p:ph type="title"/>
-          </p:nvPr>
-        </p:nvSpPr>
-        <p:spPr>
-          <a:xfrm>
-            <a:off x="524021" y="330621"/>
-            <a:ext cx="11147636" cy="1193380"/>
-          </a:xfrm>
-          <a:prstGeom prst="rect">
-            <a:avLst/>
-          </a:prstGeom>
-        </p:spPr>
-        <p:txBody>
-          <a:bodyPr anchor="t"/>
-          <a:lstStyle>
-            <a:lvl1pPr>
-              <a:defRPr sz="3600">
-                <a:latin typeface="Univers Next Arabic"/>
-                <a:ea typeface="Univers Next Arabic"/>
-                <a:cs typeface="Univers Next Arabic"/>
-                <a:sym typeface="Univers Next Arabic"/>
-              </a:defRPr>
-            </a:lvl1pPr>
-          </a:lstStyle>
-          <a:p>
-            <a:pPr/>
-            <a:r>
-              <a:t>Title Text</a:t>
-            </a:r>
-          </a:p>
-        </p:txBody>
-      </p:sp>
-      <p:sp>
-        <p:nvSpPr>
-          <p:cNvPr id="94" name="Slide Number"/>
-          <p:cNvSpPr txBox="1"/>
-          <p:nvPr>
-            <p:ph type="sldNum" sz="quarter" idx="2"/>
-          </p:nvPr>
-        </p:nvSpPr>
-        <p:spPr>
-          <a:xfrm>
-            <a:off x="11413036" y="6095527"/>
-            <a:ext cx="258622" cy="248303"/>
-          </a:xfrm>
-          <a:prstGeom prst="rect">
-            <a:avLst/>
-          </a:prstGeom>
-        </p:spPr>
-        <p:txBody>
-          <a:bodyPr/>
-          <a:lstStyle/>
-          <a:p>
-            <a:pPr/>
-            <a:fld id="{86CB4B4D-7CA3-9044-876B-883B54F8677D}" type="slidenum"/>
-          </a:p>
-        </p:txBody>
-      </p:sp>
-    </p:spTree>
-  </p:cSld>
-  <p:clrMapOvr>
-    <a:masterClrMapping/>
-  </p:clrMapOvr>
-  <p:transition xmlns:p14="http://schemas.microsoft.com/office/powerpoint/2010/main" spd="med" advClick="1"/>
+  <p:transition spd="med"/>
 </p:sldLayout>
 </file>
 
 <file path=ppt/slideLayouts/slideLayout2.xml><?xml version="1.0" encoding="utf-8"?>
-<p:sldLayout xmlns:a="http://schemas.openxmlformats.org/drawingml/2006/main" xmlns:r="http://schemas.openxmlformats.org/officeDocument/2006/relationships" xmlns:p="http://schemas.openxmlformats.org/presentationml/2006/main" xmlns:m="http://schemas.openxmlformats.org/officeDocument/2006/math" xmlns:a14="http://schemas.microsoft.com/office/drawing/2010/main" type="tx" showMasterSp="1" showMasterPhAnim="1">
-  <p:cSld name="Title and Content">
-    <p:spTree>
-      <p:nvGrpSpPr>
-        <p:cNvPr id="1" name=""/>
-        <p:cNvGrpSpPr/>
-        <p:nvPr/>
-      </p:nvGrpSpPr>
-      <p:grpSpPr>
-        <a:xfrm>
-          <a:off x="0" y="0"/>
-          <a:ext cx="0" cy="0"/>
-          <a:chOff x="0" y="0"/>
-          <a:chExt cx="0" cy="0"/>
-        </a:xfrm>
-      </p:grpSpPr>
-      <p:sp>
-        <p:nvSpPr>
-          <p:cNvPr id="20" name="Title Text"/>
-          <p:cNvSpPr txBox="1"/>
-          <p:nvPr>
-            <p:ph type="title"/>
-          </p:nvPr>
-        </p:nvSpPr>
-        <p:spPr>
-          <a:prstGeom prst="rect">
-            <a:avLst/>
-          </a:prstGeom>
-        </p:spPr>
-        <p:txBody>
-          <a:bodyPr/>
-          <a:lstStyle/>
-          <a:p>
-            <a:pPr/>
-            <a:r>
-              <a:t>Title Text</a:t>
-            </a:r>
-          </a:p>
-        </p:txBody>
-      </p:sp>
-      <p:sp>
-        <p:nvSpPr>
-          <p:cNvPr id="21" name="Body Level One…"/>
-          <p:cNvSpPr txBox="1"/>
-          <p:nvPr>
-            <p:ph type="body" idx="1"/>
-          </p:nvPr>
-        </p:nvSpPr>
-        <p:spPr>
-          <a:prstGeom prst="rect">
-            <a:avLst/>
-          </a:prstGeom>
-        </p:spPr>
-        <p:txBody>
-          <a:bodyPr/>
-          <a:lstStyle/>
-          <a:p>
-            <a:pPr/>
-            <a:r>
-              <a:t>Body Level One</a:t>
-            </a:r>
-          </a:p>
-          <a:p>
-            <a:pPr lvl="1"/>
-            <a:r>
-              <a:t>Body Level Two</a:t>
-            </a:r>
-          </a:p>
-          <a:p>
-            <a:pPr lvl="2"/>
-            <a:r>
-              <a:t>Body Level Three</a:t>
-            </a:r>
-          </a:p>
-          <a:p>
-            <a:pPr lvl="3"/>
-            <a:r>
-              <a:t>Body Level Four</a:t>
-            </a:r>
-          </a:p>
-          <a:p>
-            <a:pPr lvl="4"/>
-            <a:r>
-              <a:t>Body Level Five</a:t>
-            </a:r>
-          </a:p>
-        </p:txBody>
-      </p:sp>
-      <p:sp>
-        <p:nvSpPr>
-          <p:cNvPr id="22" name="Slide Number"/>
-          <p:cNvSpPr txBox="1"/>
-          <p:nvPr>
-            <p:ph type="sldNum" sz="quarter" idx="2"/>
-          </p:nvPr>
-        </p:nvSpPr>
-        <p:spPr>
-          <a:prstGeom prst="rect">
-            <a:avLst/>
-          </a:prstGeom>
-        </p:spPr>
-        <p:txBody>
-          <a:bodyPr/>
-          <a:lstStyle/>
-          <a:p>
-            <a:pPr/>
-            <a:fld id="{86CB4B4D-7CA3-9044-876B-883B54F8677D}" type="slidenum"/>
-          </a:p>
-        </p:txBody>
-      </p:sp>
-    </p:spTree>
-  </p:cSld>
-  <p:clrMapOvr>
-    <a:masterClrMapping/>
-  </p:clrMapOvr>
-  <p:transition xmlns:p14="http://schemas.microsoft.com/office/powerpoint/2010/main" spd="med" advClick="1"/>
-</p:sldLayout>
-</file>
-
-<file path=ppt/slideLayouts/slideLayout3.xml><?xml version="1.0" encoding="utf-8"?>
-<p:sldLayout xmlns:a="http://schemas.openxmlformats.org/drawingml/2006/main" xmlns:r="http://schemas.openxmlformats.org/officeDocument/2006/relationships" xmlns:p="http://schemas.openxmlformats.org/presentationml/2006/main" xmlns:m="http://schemas.openxmlformats.org/officeDocument/2006/math" xmlns:a14="http://schemas.microsoft.com/office/drawing/2010/main" type="tx" showMasterSp="1" showMasterPhAnim="1">
+<p:sldLayout xmlns:a="http://schemas.openxmlformats.org/drawingml/2006/main" xmlns:r="http://schemas.openxmlformats.org/officeDocument/2006/relationships" xmlns:p="http://schemas.openxmlformats.org/presentationml/2006/main" type="tx">
   <p:cSld name="Section Header">
     <p:spTree>
       <p:nvGrpSpPr>
@@ -897,7 +685,9 @@
       <p:sp>
         <p:nvSpPr>
           <p:cNvPr id="29" name="Title Text"/>
-          <p:cNvSpPr txBox="1"/>
+          <p:cNvSpPr txBox="1">
+            <a:spLocks noGrp="1"/>
+          </p:cNvSpPr>
           <p:nvPr>
             <p:ph type="title"/>
           </p:nvPr>
@@ -919,7 +709,6 @@
             </a:lvl1pPr>
           </a:lstStyle>
           <a:p>
-            <a:pPr/>
             <a:r>
               <a:t>Title Text</a:t>
             </a:r>
@@ -929,7 +718,9 @@
       <p:sp>
         <p:nvSpPr>
           <p:cNvPr id="30" name="Body Level One…"/>
-          <p:cNvSpPr txBox="1"/>
+          <p:cNvSpPr txBox="1">
+            <a:spLocks noGrp="1"/>
+          </p:cNvSpPr>
           <p:nvPr>
             <p:ph type="body" sz="quarter" idx="1"/>
           </p:nvPr>
@@ -998,7 +789,6 @@
             </a:lvl5pPr>
           </a:lstStyle>
           <a:p>
-            <a:pPr/>
             <a:r>
               <a:t>Body Level One</a:t>
             </a:r>
@@ -1032,7 +822,9 @@
       <p:sp>
         <p:nvSpPr>
           <p:cNvPr id="31" name="Slide Number"/>
-          <p:cNvSpPr txBox="1"/>
+          <p:cNvSpPr txBox="1">
+            <a:spLocks noGrp="1"/>
+          </p:cNvSpPr>
           <p:nvPr>
             <p:ph type="sldNum" sz="quarter" idx="2"/>
           </p:nvPr>
@@ -1046,8 +838,10 @@
           <a:bodyPr/>
           <a:lstStyle/>
           <a:p>
-            <a:pPr/>
-            <a:fld id="{86CB4B4D-7CA3-9044-876B-883B54F8677D}" type="slidenum"/>
+            <a:fld id="{86CB4B4D-7CA3-9044-876B-883B54F8677D}" type="slidenum">
+              <a:t>‹#›</a:t>
+            </a:fld>
+            <a:endParaRPr/>
           </a:p>
         </p:txBody>
       </p:sp>
@@ -1056,12 +850,12 @@
   <p:clrMapOvr>
     <a:masterClrMapping/>
   </p:clrMapOvr>
-  <p:transition xmlns:p14="http://schemas.microsoft.com/office/powerpoint/2010/main" spd="med" advClick="1"/>
+  <p:transition spd="med"/>
 </p:sldLayout>
 </file>
 
-<file path=ppt/slideLayouts/slideLayout4.xml><?xml version="1.0" encoding="utf-8"?>
-<p:sldLayout xmlns:a="http://schemas.openxmlformats.org/drawingml/2006/main" xmlns:r="http://schemas.openxmlformats.org/officeDocument/2006/relationships" xmlns:p="http://schemas.openxmlformats.org/presentationml/2006/main" xmlns:m="http://schemas.openxmlformats.org/officeDocument/2006/math" xmlns:a14="http://schemas.microsoft.com/office/drawing/2010/main" type="tx" showMasterSp="1" showMasterPhAnim="1">
+<file path=ppt/slideLayouts/slideLayout3.xml><?xml version="1.0" encoding="utf-8"?>
+<p:sldLayout xmlns:a="http://schemas.openxmlformats.org/drawingml/2006/main" xmlns:r="http://schemas.openxmlformats.org/officeDocument/2006/relationships" xmlns:p="http://schemas.openxmlformats.org/presentationml/2006/main" type="tx">
   <p:cSld name="Two Content">
     <p:spTree>
       <p:nvGrpSpPr>
@@ -1080,7 +874,9 @@
       <p:sp>
         <p:nvSpPr>
           <p:cNvPr id="38" name="Title Text"/>
-          <p:cNvSpPr txBox="1"/>
+          <p:cNvSpPr txBox="1">
+            <a:spLocks noGrp="1"/>
+          </p:cNvSpPr>
           <p:nvPr>
             <p:ph type="title"/>
           </p:nvPr>
@@ -1094,7 +890,6 @@
           <a:bodyPr/>
           <a:lstStyle/>
           <a:p>
-            <a:pPr/>
             <a:r>
               <a:t>Title Text</a:t>
             </a:r>
@@ -1104,7 +899,9 @@
       <p:sp>
         <p:nvSpPr>
           <p:cNvPr id="39" name="Body Level One…"/>
-          <p:cNvSpPr txBox="1"/>
+          <p:cNvSpPr txBox="1">
+            <a:spLocks noGrp="1"/>
+          </p:cNvSpPr>
           <p:nvPr>
             <p:ph type="body" sz="half" idx="1"/>
           </p:nvPr>
@@ -1122,7 +919,6 @@
           <a:bodyPr/>
           <a:lstStyle/>
           <a:p>
-            <a:pPr/>
             <a:r>
               <a:t>Body Level One</a:t>
             </a:r>
@@ -1156,7 +952,9 @@
       <p:sp>
         <p:nvSpPr>
           <p:cNvPr id="40" name="Slide Number"/>
-          <p:cNvSpPr txBox="1"/>
+          <p:cNvSpPr txBox="1">
+            <a:spLocks noGrp="1"/>
+          </p:cNvSpPr>
           <p:nvPr>
             <p:ph type="sldNum" sz="quarter" idx="2"/>
           </p:nvPr>
@@ -1170,8 +968,10 @@
           <a:bodyPr/>
           <a:lstStyle/>
           <a:p>
-            <a:pPr/>
-            <a:fld id="{86CB4B4D-7CA3-9044-876B-883B54F8677D}" type="slidenum"/>
+            <a:fld id="{86CB4B4D-7CA3-9044-876B-883B54F8677D}" type="slidenum">
+              <a:t>‹#›</a:t>
+            </a:fld>
+            <a:endParaRPr/>
           </a:p>
         </p:txBody>
       </p:sp>
@@ -1180,12 +980,12 @@
   <p:clrMapOvr>
     <a:masterClrMapping/>
   </p:clrMapOvr>
-  <p:transition xmlns:p14="http://schemas.microsoft.com/office/powerpoint/2010/main" spd="med" advClick="1"/>
+  <p:transition spd="med"/>
 </p:sldLayout>
 </file>
 
-<file path=ppt/slideLayouts/slideLayout5.xml><?xml version="1.0" encoding="utf-8"?>
-<p:sldLayout xmlns:a="http://schemas.openxmlformats.org/drawingml/2006/main" xmlns:r="http://schemas.openxmlformats.org/officeDocument/2006/relationships" xmlns:p="http://schemas.openxmlformats.org/presentationml/2006/main" xmlns:m="http://schemas.openxmlformats.org/officeDocument/2006/math" xmlns:a14="http://schemas.microsoft.com/office/drawing/2010/main" type="tx" showMasterSp="1" showMasterPhAnim="1">
+<file path=ppt/slideLayouts/slideLayout4.xml><?xml version="1.0" encoding="utf-8"?>
+<p:sldLayout xmlns:a="http://schemas.openxmlformats.org/drawingml/2006/main" xmlns:r="http://schemas.openxmlformats.org/officeDocument/2006/relationships" xmlns:p="http://schemas.openxmlformats.org/presentationml/2006/main" type="tx">
   <p:cSld name="Comparison">
     <p:spTree>
       <p:nvGrpSpPr>
@@ -1204,7 +1004,9 @@
       <p:sp>
         <p:nvSpPr>
           <p:cNvPr id="47" name="Title Text"/>
-          <p:cNvSpPr txBox="1"/>
+          <p:cNvSpPr txBox="1">
+            <a:spLocks noGrp="1"/>
+          </p:cNvSpPr>
           <p:nvPr>
             <p:ph type="title"/>
           </p:nvPr>
@@ -1222,7 +1024,6 @@
           <a:bodyPr/>
           <a:lstStyle/>
           <a:p>
-            <a:pPr/>
             <a:r>
               <a:t>Title Text</a:t>
             </a:r>
@@ -1232,7 +1033,9 @@
       <p:sp>
         <p:nvSpPr>
           <p:cNvPr id="48" name="Body Level One…"/>
-          <p:cNvSpPr txBox="1"/>
+          <p:cNvSpPr txBox="1">
+            <a:spLocks noGrp="1"/>
+          </p:cNvSpPr>
           <p:nvPr>
             <p:ph type="body" sz="quarter" idx="1"/>
           </p:nvPr>
@@ -1253,7 +1056,7 @@
               <a:buSzTx/>
               <a:buFontTx/>
               <a:buNone/>
-              <a:defRPr b="1" sz="2400">
+              <a:defRPr sz="2400" b="1">
                 <a:latin typeface="+mj-lt"/>
                 <a:ea typeface="+mj-ea"/>
                 <a:cs typeface="+mj-cs"/>
@@ -1264,7 +1067,7 @@
               <a:buSzTx/>
               <a:buFontTx/>
               <a:buNone/>
-              <a:defRPr b="1" sz="2400">
+              <a:defRPr sz="2400" b="1">
                 <a:latin typeface="+mj-lt"/>
                 <a:ea typeface="+mj-ea"/>
                 <a:cs typeface="+mj-cs"/>
@@ -1275,7 +1078,7 @@
               <a:buSzTx/>
               <a:buFontTx/>
               <a:buNone/>
-              <a:defRPr b="1" sz="2400">
+              <a:defRPr sz="2400" b="1">
                 <a:latin typeface="+mj-lt"/>
                 <a:ea typeface="+mj-ea"/>
                 <a:cs typeface="+mj-cs"/>
@@ -1286,7 +1089,7 @@
               <a:buSzTx/>
               <a:buFontTx/>
               <a:buNone/>
-              <a:defRPr b="1" sz="2400">
+              <a:defRPr sz="2400" b="1">
                 <a:latin typeface="+mj-lt"/>
                 <a:ea typeface="+mj-ea"/>
                 <a:cs typeface="+mj-cs"/>
@@ -1297,7 +1100,7 @@
               <a:buSzTx/>
               <a:buFontTx/>
               <a:buNone/>
-              <a:defRPr b="1" sz="2400">
+              <a:defRPr sz="2400" b="1">
                 <a:latin typeface="+mj-lt"/>
                 <a:ea typeface="+mj-ea"/>
                 <a:cs typeface="+mj-cs"/>
@@ -1306,7 +1109,6 @@
             </a:lvl5pPr>
           </a:lstStyle>
           <a:p>
-            <a:pPr/>
             <a:r>
               <a:t>Body Level One</a:t>
             </a:r>
@@ -1340,7 +1142,9 @@
       <p:sp>
         <p:nvSpPr>
           <p:cNvPr id="49" name="Text Placeholder 4"/>
-          <p:cNvSpPr/>
+          <p:cNvSpPr>
+            <a:spLocks noGrp="1"/>
+          </p:cNvSpPr>
           <p:nvPr>
             <p:ph type="body" sz="quarter" idx="13"/>
           </p:nvPr>
@@ -1358,14 +1162,16 @@
           <a:bodyPr anchor="b"/>
           <a:lstStyle/>
           <a:p>
-            <a:pPr/>
+            <a:endParaRPr/>
           </a:p>
         </p:txBody>
       </p:sp>
       <p:sp>
         <p:nvSpPr>
           <p:cNvPr id="50" name="Slide Number"/>
-          <p:cNvSpPr txBox="1"/>
+          <p:cNvSpPr txBox="1">
+            <a:spLocks noGrp="1"/>
+          </p:cNvSpPr>
           <p:nvPr>
             <p:ph type="sldNum" sz="quarter" idx="2"/>
           </p:nvPr>
@@ -1379,8 +1185,10 @@
           <a:bodyPr/>
           <a:lstStyle/>
           <a:p>
-            <a:pPr/>
-            <a:fld id="{86CB4B4D-7CA3-9044-876B-883B54F8677D}" type="slidenum"/>
+            <a:fld id="{86CB4B4D-7CA3-9044-876B-883B54F8677D}" type="slidenum">
+              <a:t>‹#›</a:t>
+            </a:fld>
+            <a:endParaRPr/>
           </a:p>
         </p:txBody>
       </p:sp>
@@ -1389,12 +1197,12 @@
   <p:clrMapOvr>
     <a:masterClrMapping/>
   </p:clrMapOvr>
-  <p:transition xmlns:p14="http://schemas.microsoft.com/office/powerpoint/2010/main" spd="med" advClick="1"/>
+  <p:transition spd="med"/>
 </p:sldLayout>
 </file>
 
-<file path=ppt/slideLayouts/slideLayout6.xml><?xml version="1.0" encoding="utf-8"?>
-<p:sldLayout xmlns:a="http://schemas.openxmlformats.org/drawingml/2006/main" xmlns:r="http://schemas.openxmlformats.org/officeDocument/2006/relationships" xmlns:p="http://schemas.openxmlformats.org/presentationml/2006/main" xmlns:m="http://schemas.openxmlformats.org/officeDocument/2006/math" xmlns:a14="http://schemas.microsoft.com/office/drawing/2010/main" type="tx" showMasterSp="1" showMasterPhAnim="1">
+<file path=ppt/slideLayouts/slideLayout5.xml><?xml version="1.0" encoding="utf-8"?>
+<p:sldLayout xmlns:a="http://schemas.openxmlformats.org/drawingml/2006/main" xmlns:r="http://schemas.openxmlformats.org/officeDocument/2006/relationships" xmlns:p="http://schemas.openxmlformats.org/presentationml/2006/main" type="tx">
   <p:cSld name="Title Only">
     <p:spTree>
       <p:nvGrpSpPr>
@@ -1413,7 +1221,9 @@
       <p:sp>
         <p:nvSpPr>
           <p:cNvPr id="57" name="Title Text"/>
-          <p:cNvSpPr txBox="1"/>
+          <p:cNvSpPr txBox="1">
+            <a:spLocks noGrp="1"/>
+          </p:cNvSpPr>
           <p:nvPr>
             <p:ph type="title"/>
           </p:nvPr>
@@ -1427,7 +1237,6 @@
           <a:bodyPr/>
           <a:lstStyle/>
           <a:p>
-            <a:pPr/>
             <a:r>
               <a:t>Title Text</a:t>
             </a:r>
@@ -1437,7 +1246,9 @@
       <p:sp>
         <p:nvSpPr>
           <p:cNvPr id="58" name="Slide Number"/>
-          <p:cNvSpPr txBox="1"/>
+          <p:cNvSpPr txBox="1">
+            <a:spLocks noGrp="1"/>
+          </p:cNvSpPr>
           <p:nvPr>
             <p:ph type="sldNum" sz="quarter" idx="2"/>
           </p:nvPr>
@@ -1451,8 +1262,10 @@
           <a:bodyPr/>
           <a:lstStyle/>
           <a:p>
-            <a:pPr/>
-            <a:fld id="{86CB4B4D-7CA3-9044-876B-883B54F8677D}" type="slidenum"/>
+            <a:fld id="{86CB4B4D-7CA3-9044-876B-883B54F8677D}" type="slidenum">
+              <a:t>‹#›</a:t>
+            </a:fld>
+            <a:endParaRPr/>
           </a:p>
         </p:txBody>
       </p:sp>
@@ -1461,12 +1274,12 @@
   <p:clrMapOvr>
     <a:masterClrMapping/>
   </p:clrMapOvr>
-  <p:transition xmlns:p14="http://schemas.microsoft.com/office/powerpoint/2010/main" spd="med" advClick="1"/>
+  <p:transition spd="med"/>
 </p:sldLayout>
 </file>
 
-<file path=ppt/slideLayouts/slideLayout7.xml><?xml version="1.0" encoding="utf-8"?>
-<p:sldLayout xmlns:a="http://schemas.openxmlformats.org/drawingml/2006/main" xmlns:r="http://schemas.openxmlformats.org/officeDocument/2006/relationships" xmlns:p="http://schemas.openxmlformats.org/presentationml/2006/main" xmlns:m="http://schemas.openxmlformats.org/officeDocument/2006/math" xmlns:a14="http://schemas.microsoft.com/office/drawing/2010/main" type="tx" showMasterSp="1" showMasterPhAnim="1">
+<file path=ppt/slideLayouts/slideLayout6.xml><?xml version="1.0" encoding="utf-8"?>
+<p:sldLayout xmlns:a="http://schemas.openxmlformats.org/drawingml/2006/main" xmlns:r="http://schemas.openxmlformats.org/officeDocument/2006/relationships" xmlns:p="http://schemas.openxmlformats.org/presentationml/2006/main" type="tx">
   <p:cSld name="Blank">
     <p:spTree>
       <p:nvGrpSpPr>
@@ -1485,7 +1298,9 @@
       <p:sp>
         <p:nvSpPr>
           <p:cNvPr id="65" name="Slide Number"/>
-          <p:cNvSpPr txBox="1"/>
+          <p:cNvSpPr txBox="1">
+            <a:spLocks noGrp="1"/>
+          </p:cNvSpPr>
           <p:nvPr>
             <p:ph type="sldNum" sz="quarter" idx="2"/>
           </p:nvPr>
@@ -1499,8 +1314,10 @@
           <a:bodyPr/>
           <a:lstStyle/>
           <a:p>
-            <a:pPr/>
-            <a:fld id="{86CB4B4D-7CA3-9044-876B-883B54F8677D}" type="slidenum"/>
+            <a:fld id="{86CB4B4D-7CA3-9044-876B-883B54F8677D}" type="slidenum">
+              <a:t>‹#›</a:t>
+            </a:fld>
+            <a:endParaRPr/>
           </a:p>
         </p:txBody>
       </p:sp>
@@ -1509,12 +1326,12 @@
   <p:clrMapOvr>
     <a:masterClrMapping/>
   </p:clrMapOvr>
-  <p:transition xmlns:p14="http://schemas.microsoft.com/office/powerpoint/2010/main" spd="med" advClick="1"/>
+  <p:transition spd="med"/>
 </p:sldLayout>
 </file>
 
-<file path=ppt/slideLayouts/slideLayout8.xml><?xml version="1.0" encoding="utf-8"?>
-<p:sldLayout xmlns:a="http://schemas.openxmlformats.org/drawingml/2006/main" xmlns:r="http://schemas.openxmlformats.org/officeDocument/2006/relationships" xmlns:p="http://schemas.openxmlformats.org/presentationml/2006/main" xmlns:m="http://schemas.openxmlformats.org/officeDocument/2006/math" xmlns:a14="http://schemas.microsoft.com/office/drawing/2010/main" type="tx" showMasterSp="1" showMasterPhAnim="1">
+<file path=ppt/slideLayouts/slideLayout7.xml><?xml version="1.0" encoding="utf-8"?>
+<p:sldLayout xmlns:a="http://schemas.openxmlformats.org/drawingml/2006/main" xmlns:r="http://schemas.openxmlformats.org/officeDocument/2006/relationships" xmlns:p="http://schemas.openxmlformats.org/presentationml/2006/main" type="tx">
   <p:cSld name="Content with Caption">
     <p:spTree>
       <p:nvGrpSpPr>
@@ -1533,7 +1350,9 @@
       <p:sp>
         <p:nvSpPr>
           <p:cNvPr id="72" name="Title Text"/>
-          <p:cNvSpPr txBox="1"/>
+          <p:cNvSpPr txBox="1">
+            <a:spLocks noGrp="1"/>
+          </p:cNvSpPr>
           <p:nvPr>
             <p:ph type="title"/>
           </p:nvPr>
@@ -1555,7 +1374,6 @@
             </a:lvl1pPr>
           </a:lstStyle>
           <a:p>
-            <a:pPr/>
             <a:r>
               <a:t>Title Text</a:t>
             </a:r>
@@ -1565,7 +1383,9 @@
       <p:sp>
         <p:nvSpPr>
           <p:cNvPr id="73" name="Body Level One…"/>
-          <p:cNvSpPr txBox="1"/>
+          <p:cNvSpPr txBox="1">
+            <a:spLocks noGrp="1"/>
+          </p:cNvSpPr>
           <p:nvPr>
             <p:ph type="body" sz="half" idx="1"/>
           </p:nvPr>
@@ -1599,7 +1419,6 @@
             </a:lvl5pPr>
           </a:lstStyle>
           <a:p>
-            <a:pPr/>
             <a:r>
               <a:t>Body Level One</a:t>
             </a:r>
@@ -1633,7 +1452,9 @@
       <p:sp>
         <p:nvSpPr>
           <p:cNvPr id="74" name="Text Placeholder 3"/>
-          <p:cNvSpPr/>
+          <p:cNvSpPr>
+            <a:spLocks noGrp="1"/>
+          </p:cNvSpPr>
           <p:nvPr>
             <p:ph type="body" sz="quarter" idx="13"/>
           </p:nvPr>
@@ -1651,14 +1472,16 @@
           <a:bodyPr/>
           <a:lstStyle/>
           <a:p>
-            <a:pPr/>
+            <a:endParaRPr/>
           </a:p>
         </p:txBody>
       </p:sp>
       <p:sp>
         <p:nvSpPr>
           <p:cNvPr id="75" name="Slide Number"/>
-          <p:cNvSpPr txBox="1"/>
+          <p:cNvSpPr txBox="1">
+            <a:spLocks noGrp="1"/>
+          </p:cNvSpPr>
           <p:nvPr>
             <p:ph type="sldNum" sz="quarter" idx="2"/>
           </p:nvPr>
@@ -1672,8 +1495,10 @@
           <a:bodyPr/>
           <a:lstStyle/>
           <a:p>
-            <a:pPr/>
-            <a:fld id="{86CB4B4D-7CA3-9044-876B-883B54F8677D}" type="slidenum"/>
+            <a:fld id="{86CB4B4D-7CA3-9044-876B-883B54F8677D}" type="slidenum">
+              <a:t>‹#›</a:t>
+            </a:fld>
+            <a:endParaRPr/>
           </a:p>
         </p:txBody>
       </p:sp>
@@ -1682,12 +1507,12 @@
   <p:clrMapOvr>
     <a:masterClrMapping/>
   </p:clrMapOvr>
-  <p:transition xmlns:p14="http://schemas.microsoft.com/office/powerpoint/2010/main" spd="med" advClick="1"/>
+  <p:transition spd="med"/>
 </p:sldLayout>
 </file>
 
-<file path=ppt/slideLayouts/slideLayout9.xml><?xml version="1.0" encoding="utf-8"?>
-<p:sldLayout xmlns:a="http://schemas.openxmlformats.org/drawingml/2006/main" xmlns:r="http://schemas.openxmlformats.org/officeDocument/2006/relationships" xmlns:p="http://schemas.openxmlformats.org/presentationml/2006/main" xmlns:m="http://schemas.openxmlformats.org/officeDocument/2006/math" xmlns:a14="http://schemas.microsoft.com/office/drawing/2010/main" type="tx" showMasterSp="1" showMasterPhAnim="1">
+<file path=ppt/slideLayouts/slideLayout8.xml><?xml version="1.0" encoding="utf-8"?>
+<p:sldLayout xmlns:a="http://schemas.openxmlformats.org/drawingml/2006/main" xmlns:r="http://schemas.openxmlformats.org/officeDocument/2006/relationships" xmlns:p="http://schemas.openxmlformats.org/presentationml/2006/main" type="tx">
   <p:cSld name="Picture with Caption">
     <p:spTree>
       <p:nvGrpSpPr>
@@ -1706,7 +1531,9 @@
       <p:sp>
         <p:nvSpPr>
           <p:cNvPr id="82" name="Title Text"/>
-          <p:cNvSpPr txBox="1"/>
+          <p:cNvSpPr txBox="1">
+            <a:spLocks noGrp="1"/>
+          </p:cNvSpPr>
           <p:nvPr>
             <p:ph type="title"/>
           </p:nvPr>
@@ -1728,7 +1555,6 @@
             </a:lvl1pPr>
           </a:lstStyle>
           <a:p>
-            <a:pPr/>
             <a:r>
               <a:t>Title Text</a:t>
             </a:r>
@@ -1738,7 +1564,9 @@
       <p:sp>
         <p:nvSpPr>
           <p:cNvPr id="83" name="Picture Placeholder 2"/>
-          <p:cNvSpPr/>
+          <p:cNvSpPr>
+            <a:spLocks noGrp="1"/>
+          </p:cNvSpPr>
           <p:nvPr>
             <p:ph type="pic" sz="half" idx="13"/>
           </p:nvPr>
@@ -1758,14 +1586,16 @@
           </a:bodyPr>
           <a:lstStyle/>
           <a:p>
-            <a:pPr/>
+            <a:endParaRPr/>
           </a:p>
         </p:txBody>
       </p:sp>
       <p:sp>
         <p:nvSpPr>
           <p:cNvPr id="84" name="Body Level One…"/>
-          <p:cNvSpPr txBox="1"/>
+          <p:cNvSpPr txBox="1">
+            <a:spLocks noGrp="1"/>
+          </p:cNvSpPr>
           <p:nvPr>
             <p:ph type="body" sz="quarter" idx="1"/>
           </p:nvPr>
@@ -1814,7 +1644,6 @@
             </a:lvl5pPr>
           </a:lstStyle>
           <a:p>
-            <a:pPr/>
             <a:r>
               <a:t>Body Level One</a:t>
             </a:r>
@@ -1848,7 +1677,9 @@
       <p:sp>
         <p:nvSpPr>
           <p:cNvPr id="85" name="Slide Number"/>
-          <p:cNvSpPr txBox="1"/>
+          <p:cNvSpPr txBox="1">
+            <a:spLocks noGrp="1"/>
+          </p:cNvSpPr>
           <p:nvPr>
             <p:ph type="sldNum" sz="quarter" idx="2"/>
           </p:nvPr>
@@ -1862,8 +1693,10 @@
           <a:bodyPr/>
           <a:lstStyle/>
           <a:p>
-            <a:pPr/>
-            <a:fld id="{86CB4B4D-7CA3-9044-876B-883B54F8677D}" type="slidenum"/>
+            <a:fld id="{86CB4B4D-7CA3-9044-876B-883B54F8677D}" type="slidenum">
+              <a:t>‹#›</a:t>
+            </a:fld>
+            <a:endParaRPr/>
           </a:p>
         </p:txBody>
       </p:sp>
@@ -1872,18 +1705,150 @@
   <p:clrMapOvr>
     <a:masterClrMapping/>
   </p:clrMapOvr>
-  <p:transition xmlns:p14="http://schemas.microsoft.com/office/powerpoint/2010/main" spd="med" advClick="1"/>
+  <p:transition spd="med"/>
+</p:sldLayout>
+</file>
+
+<file path=ppt/slideLayouts/slideLayout9.xml><?xml version="1.0" encoding="utf-8"?>
+<p:sldLayout xmlns:a="http://schemas.openxmlformats.org/drawingml/2006/main" xmlns:r="http://schemas.openxmlformats.org/officeDocument/2006/relationships" xmlns:p="http://schemas.openxmlformats.org/presentationml/2006/main" type="tx">
+  <p:cSld name="4_Title Slide">
+    <p:bg>
+      <p:bgPr>
+        <a:solidFill>
+          <a:srgbClr val="F1F2EA"/>
+        </a:solidFill>
+        <a:effectLst/>
+      </p:bgPr>
+    </p:bg>
+    <p:spTree>
+      <p:nvGrpSpPr>
+        <p:cNvPr id="1" name=""/>
+        <p:cNvGrpSpPr/>
+        <p:nvPr/>
+      </p:nvGrpSpPr>
+      <p:grpSpPr>
+        <a:xfrm>
+          <a:off x="0" y="0"/>
+          <a:ext cx="0" cy="0"/>
+          <a:chOff x="0" y="0"/>
+          <a:chExt cx="0" cy="0"/>
+        </a:xfrm>
+      </p:grpSpPr>
+      <p:pic>
+        <p:nvPicPr>
+          <p:cNvPr id="92" name="Picture 3" descr="Picture 3"/>
+          <p:cNvPicPr>
+            <a:picLocks noChangeAspect="1"/>
+          </p:cNvPicPr>
+          <p:nvPr/>
+        </p:nvPicPr>
+        <p:blipFill>
+          <a:blip r:embed="rId2">
+            <a:extLst/>
+          </a:blip>
+          <a:stretch>
+            <a:fillRect/>
+          </a:stretch>
+        </p:blipFill>
+        <p:spPr>
+          <a:xfrm>
+            <a:off x="524021" y="5988379"/>
+            <a:ext cx="1264072" cy="462599"/>
+          </a:xfrm>
+          <a:prstGeom prst="rect">
+            <a:avLst/>
+          </a:prstGeom>
+          <a:ln w="12700">
+            <a:miter lim="400000"/>
+          </a:ln>
+        </p:spPr>
+      </p:pic>
+      <p:sp>
+        <p:nvSpPr>
+          <p:cNvPr id="93" name="Title Text"/>
+          <p:cNvSpPr txBox="1">
+            <a:spLocks noGrp="1"/>
+          </p:cNvSpPr>
+          <p:nvPr>
+            <p:ph type="title"/>
+          </p:nvPr>
+        </p:nvSpPr>
+        <p:spPr>
+          <a:xfrm>
+            <a:off x="524021" y="330621"/>
+            <a:ext cx="11147636" cy="1193380"/>
+          </a:xfrm>
+          <a:prstGeom prst="rect">
+            <a:avLst/>
+          </a:prstGeom>
+        </p:spPr>
+        <p:txBody>
+          <a:bodyPr anchor="t"/>
+          <a:lstStyle>
+            <a:lvl1pPr>
+              <a:defRPr sz="3600">
+                <a:latin typeface="Univers Next Arabic"/>
+                <a:ea typeface="Univers Next Arabic"/>
+                <a:cs typeface="Univers Next Arabic"/>
+                <a:sym typeface="Univers Next Arabic"/>
+              </a:defRPr>
+            </a:lvl1pPr>
+          </a:lstStyle>
+          <a:p>
+            <a:r>
+              <a:t>Title Text</a:t>
+            </a:r>
+          </a:p>
+        </p:txBody>
+      </p:sp>
+      <p:sp>
+        <p:nvSpPr>
+          <p:cNvPr id="94" name="Slide Number"/>
+          <p:cNvSpPr txBox="1">
+            <a:spLocks noGrp="1"/>
+          </p:cNvSpPr>
+          <p:nvPr>
+            <p:ph type="sldNum" sz="quarter" idx="2"/>
+          </p:nvPr>
+        </p:nvSpPr>
+        <p:spPr>
+          <a:xfrm>
+            <a:off x="11413036" y="6095527"/>
+            <a:ext cx="258622" cy="248303"/>
+          </a:xfrm>
+          <a:prstGeom prst="rect">
+            <a:avLst/>
+          </a:prstGeom>
+        </p:spPr>
+        <p:txBody>
+          <a:bodyPr/>
+          <a:lstStyle/>
+          <a:p>
+            <a:fld id="{86CB4B4D-7CA3-9044-876B-883B54F8677D}" type="slidenum">
+              <a:t>‹#›</a:t>
+            </a:fld>
+            <a:endParaRPr/>
+          </a:p>
+        </p:txBody>
+      </p:sp>
+    </p:spTree>
+  </p:cSld>
+  <p:clrMapOvr>
+    <a:masterClrMapping/>
+  </p:clrMapOvr>
+  <p:transition spd="med"/>
 </p:sldLayout>
 </file>
 
 <file path=ppt/slideMasters/slideMaster1.xml><?xml version="1.0" encoding="utf-8"?>
-<p:sldMaster xmlns:a="http://schemas.openxmlformats.org/drawingml/2006/main" xmlns:r="http://schemas.openxmlformats.org/officeDocument/2006/relationships" xmlns:p="http://schemas.openxmlformats.org/presentationml/2006/main" xmlns:m="http://schemas.openxmlformats.org/officeDocument/2006/math" xmlns:a14="http://schemas.microsoft.com/office/drawing/2010/main">
+<p:sldMaster xmlns:a="http://schemas.openxmlformats.org/drawingml/2006/main" xmlns:r="http://schemas.openxmlformats.org/officeDocument/2006/relationships" xmlns:p="http://schemas.openxmlformats.org/presentationml/2006/main">
   <p:cSld>
     <p:bg>
       <p:bgPr>
         <a:solidFill>
           <a:srgbClr val="FFFFFF"/>
         </a:solidFill>
+        <a:effectLst/>
       </p:bgPr>
     </p:bg>
     <p:spTree>
@@ -1903,7 +1868,9 @@
       <p:sp>
         <p:nvSpPr>
           <p:cNvPr id="2" name="Title Text"/>
-          <p:cNvSpPr txBox="1"/>
+          <p:cNvSpPr txBox="1">
+            <a:spLocks noGrp="1"/>
+          </p:cNvSpPr>
           <p:nvPr>
             <p:ph type="title"/>
           </p:nvPr>
@@ -1921,17 +1888,16 @@
           </a:ln>
           <a:extLst>
             <a:ext uri="{C572A759-6A51-4108-AA02-DFA0A04FC94B}">
-              <ma14:wrappingTextBoxFlag xmlns:ma14="http://schemas.microsoft.com/office/mac/drawingml/2011/main" val="1"/>
+              <ma14:wrappingTextBoxFlag xmlns:ma14="http://schemas.microsoft.com/office/mac/drawingml/2011/main" xmlns:a14="http://schemas.microsoft.com/office/drawing/2010/main" xmlns:m="http://schemas.openxmlformats.org/officeDocument/2006/math" xmlns="" val="1"/>
             </a:ext>
           </a:extLst>
         </p:spPr>
         <p:txBody>
           <a:bodyPr lIns="45718" tIns="45718" rIns="45718" bIns="45718" anchor="ctr">
-            <a:normAutofit fontScale="100000" lnSpcReduction="0"/>
+            <a:normAutofit/>
           </a:bodyPr>
           <a:lstStyle/>
           <a:p>
-            <a:pPr/>
             <a:r>
               <a:t>Title Text</a:t>
             </a:r>
@@ -1941,7 +1907,9 @@
       <p:sp>
         <p:nvSpPr>
           <p:cNvPr id="3" name="Body Level One…"/>
-          <p:cNvSpPr txBox="1"/>
+          <p:cNvSpPr txBox="1">
+            <a:spLocks noGrp="1"/>
+          </p:cNvSpPr>
           <p:nvPr>
             <p:ph type="body" idx="1"/>
           </p:nvPr>
@@ -1959,17 +1927,16 @@
           </a:ln>
           <a:extLst>
             <a:ext uri="{C572A759-6A51-4108-AA02-DFA0A04FC94B}">
-              <ma14:wrappingTextBoxFlag xmlns:ma14="http://schemas.microsoft.com/office/mac/drawingml/2011/main" val="1"/>
+              <ma14:wrappingTextBoxFlag xmlns:ma14="http://schemas.microsoft.com/office/mac/drawingml/2011/main" xmlns:a14="http://schemas.microsoft.com/office/drawing/2010/main" xmlns:m="http://schemas.openxmlformats.org/officeDocument/2006/math" xmlns="" val="1"/>
             </a:ext>
           </a:extLst>
         </p:spPr>
         <p:txBody>
           <a:bodyPr lIns="45718" tIns="45718" rIns="45718" bIns="45718">
-            <a:normAutofit fontScale="100000" lnSpcReduction="0"/>
+            <a:normAutofit/>
           </a:bodyPr>
           <a:lstStyle/>
           <a:p>
-            <a:pPr/>
             <a:r>
               <a:t>Body Level One</a:t>
             </a:r>
@@ -2003,7 +1970,9 @@
       <p:sp>
         <p:nvSpPr>
           <p:cNvPr id="4" name="Slide Number"/>
-          <p:cNvSpPr txBox="1"/>
+          <p:cNvSpPr txBox="1">
+            <a:spLocks noGrp="1"/>
+          </p:cNvSpPr>
           <p:nvPr>
             <p:ph type="sldNum" sz="quarter" idx="2"/>
           </p:nvPr>
@@ -2034,8 +2003,10 @@
             </a:lvl1pPr>
           </a:lstStyle>
           <a:p>
-            <a:pPr/>
-            <a:fld id="{86CB4B4D-7CA3-9044-876B-883B54F8677D}" type="slidenum"/>
+            <a:fld id="{86CB4B4D-7CA3-9044-876B-883B54F8677D}" type="slidenum">
+              <a:t>‹#›</a:t>
+            </a:fld>
+            <a:endParaRPr/>
           </a:p>
         </p:txBody>
       </p:sp>
@@ -2043,18 +2014,17 @@
   </p:cSld>
   <p:clrMap bg1="lt1" tx1="dk1" bg2="lt2" tx2="dk2" accent1="accent1" accent2="accent2" accent3="accent3" accent4="accent4" accent5="accent5" accent6="accent6" hlink="hlink" folHlink="folHlink"/>
   <p:sldLayoutIdLst>
-    <p:sldLayoutId id="2147483649" r:id="rId2"/>
-    <p:sldLayoutId id="2147483650" r:id="rId3"/>
-    <p:sldLayoutId id="2147483651" r:id="rId4"/>
-    <p:sldLayoutId id="2147483652" r:id="rId5"/>
-    <p:sldLayoutId id="2147483653" r:id="rId6"/>
-    <p:sldLayoutId id="2147483654" r:id="rId7"/>
-    <p:sldLayoutId id="2147483655" r:id="rId8"/>
-    <p:sldLayoutId id="2147483656" r:id="rId9"/>
-    <p:sldLayoutId id="2147483657" r:id="rId10"/>
-    <p:sldLayoutId id="2147483658" r:id="rId11"/>
+    <p:sldLayoutId id="2147483649" r:id="rId1"/>
+    <p:sldLayoutId id="2147483651" r:id="rId2"/>
+    <p:sldLayoutId id="2147483652" r:id="rId3"/>
+    <p:sldLayoutId id="2147483653" r:id="rId4"/>
+    <p:sldLayoutId id="2147483654" r:id="rId5"/>
+    <p:sldLayoutId id="2147483655" r:id="rId6"/>
+    <p:sldLayoutId id="2147483656" r:id="rId7"/>
+    <p:sldLayoutId id="2147483657" r:id="rId8"/>
+    <p:sldLayoutId id="2147483658" r:id="rId9"/>
   </p:sldLayoutIdLst>
-  <p:transition xmlns:p14="http://schemas.microsoft.com/office/powerpoint/2010/main" spd="med" advClick="1"/>
+  <p:transition spd="med"/>
   <p:txStyles>
     <p:titleStyle>
       <a:lvl1pPr marL="0" marR="0" indent="0" algn="l" defTabSz="914400" rtl="0" latinLnBrk="0">
@@ -2072,7 +2042,7 @@
         <a:buFontTx/>
         <a:buNone/>
         <a:tabLst/>
-        <a:defRPr b="0" baseline="0" cap="none" i="0" spc="0" strike="noStrike" sz="4400" u="none">
+        <a:defRPr sz="4400" b="0" i="0" u="none" strike="noStrike" cap="none" spc="0" baseline="0">
           <a:solidFill>
             <a:srgbClr val="000000"/>
           </a:solidFill>
@@ -2098,7 +2068,7 @@
         <a:buFontTx/>
         <a:buNone/>
         <a:tabLst/>
-        <a:defRPr b="0" baseline="0" cap="none" i="0" spc="0" strike="noStrike" sz="4400" u="none">
+        <a:defRPr sz="4400" b="0" i="0" u="none" strike="noStrike" cap="none" spc="0" baseline="0">
           <a:solidFill>
             <a:srgbClr val="000000"/>
           </a:solidFill>
@@ -2124,7 +2094,7 @@
         <a:buFontTx/>
         <a:buNone/>
         <a:tabLst/>
-        <a:defRPr b="0" baseline="0" cap="none" i="0" spc="0" strike="noStrike" sz="4400" u="none">
+        <a:defRPr sz="4400" b="0" i="0" u="none" strike="noStrike" cap="none" spc="0" baseline="0">
           <a:solidFill>
             <a:srgbClr val="000000"/>
           </a:solidFill>
@@ -2150,7 +2120,7 @@
         <a:buFontTx/>
         <a:buNone/>
         <a:tabLst/>
-        <a:defRPr b="0" baseline="0" cap="none" i="0" spc="0" strike="noStrike" sz="4400" u="none">
+        <a:defRPr sz="4400" b="0" i="0" u="none" strike="noStrike" cap="none" spc="0" baseline="0">
           <a:solidFill>
             <a:srgbClr val="000000"/>
           </a:solidFill>
@@ -2176,7 +2146,7 @@
         <a:buFontTx/>
         <a:buNone/>
         <a:tabLst/>
-        <a:defRPr b="0" baseline="0" cap="none" i="0" spc="0" strike="noStrike" sz="4400" u="none">
+        <a:defRPr sz="4400" b="0" i="0" u="none" strike="noStrike" cap="none" spc="0" baseline="0">
           <a:solidFill>
             <a:srgbClr val="000000"/>
           </a:solidFill>
@@ -2202,7 +2172,7 @@
         <a:buFontTx/>
         <a:buNone/>
         <a:tabLst/>
-        <a:defRPr b="0" baseline="0" cap="none" i="0" spc="0" strike="noStrike" sz="4400" u="none">
+        <a:defRPr sz="4400" b="0" i="0" u="none" strike="noStrike" cap="none" spc="0" baseline="0">
           <a:solidFill>
             <a:srgbClr val="000000"/>
           </a:solidFill>
@@ -2228,7 +2198,7 @@
         <a:buFontTx/>
         <a:buNone/>
         <a:tabLst/>
-        <a:defRPr b="0" baseline="0" cap="none" i="0" spc="0" strike="noStrike" sz="4400" u="none">
+        <a:defRPr sz="4400" b="0" i="0" u="none" strike="noStrike" cap="none" spc="0" baseline="0">
           <a:solidFill>
             <a:srgbClr val="000000"/>
           </a:solidFill>
@@ -2254,7 +2224,7 @@
         <a:buFontTx/>
         <a:buNone/>
         <a:tabLst/>
-        <a:defRPr b="0" baseline="0" cap="none" i="0" spc="0" strike="noStrike" sz="4400" u="none">
+        <a:defRPr sz="4400" b="0" i="0" u="none" strike="noStrike" cap="none" spc="0" baseline="0">
           <a:solidFill>
             <a:srgbClr val="000000"/>
           </a:solidFill>
@@ -2280,7 +2250,7 @@
         <a:buFontTx/>
         <a:buNone/>
         <a:tabLst/>
-        <a:defRPr b="0" baseline="0" cap="none" i="0" spc="0" strike="noStrike" sz="4400" u="none">
+        <a:defRPr sz="4400" b="0" i="0" u="none" strike="noStrike" cap="none" spc="0" baseline="0">
           <a:solidFill>
             <a:srgbClr val="000000"/>
           </a:solidFill>
@@ -2308,7 +2278,7 @@
         <a:buFont typeface="Arial"/>
         <a:buChar char="•"/>
         <a:tabLst/>
-        <a:defRPr b="0" baseline="0" cap="none" i="0" spc="0" strike="noStrike" sz="2800" u="none">
+        <a:defRPr sz="2800" b="0" i="0" u="none" strike="noStrike" cap="none" spc="0" baseline="0">
           <a:solidFill>
             <a:srgbClr val="000000"/>
           </a:solidFill>
@@ -2334,7 +2304,7 @@
         <a:buFont typeface="Arial"/>
         <a:buChar char="•"/>
         <a:tabLst/>
-        <a:defRPr b="0" baseline="0" cap="none" i="0" spc="0" strike="noStrike" sz="2800" u="none">
+        <a:defRPr sz="2800" b="0" i="0" u="none" strike="noStrike" cap="none" spc="0" baseline="0">
           <a:solidFill>
             <a:srgbClr val="000000"/>
           </a:solidFill>
@@ -2360,7 +2330,7 @@
         <a:buFont typeface="Arial"/>
         <a:buChar char="•"/>
         <a:tabLst/>
-        <a:defRPr b="0" baseline="0" cap="none" i="0" spc="0" strike="noStrike" sz="2800" u="none">
+        <a:defRPr sz="2800" b="0" i="0" u="none" strike="noStrike" cap="none" spc="0" baseline="0">
           <a:solidFill>
             <a:srgbClr val="000000"/>
           </a:solidFill>
@@ -2386,7 +2356,7 @@
         <a:buFont typeface="Arial"/>
         <a:buChar char="•"/>
         <a:tabLst/>
-        <a:defRPr b="0" baseline="0" cap="none" i="0" spc="0" strike="noStrike" sz="2800" u="none">
+        <a:defRPr sz="2800" b="0" i="0" u="none" strike="noStrike" cap="none" spc="0" baseline="0">
           <a:solidFill>
             <a:srgbClr val="000000"/>
           </a:solidFill>
@@ -2412,7 +2382,7 @@
         <a:buFont typeface="Arial"/>
         <a:buChar char="•"/>
         <a:tabLst/>
-        <a:defRPr b="0" baseline="0" cap="none" i="0" spc="0" strike="noStrike" sz="2800" u="none">
+        <a:defRPr sz="2800" b="0" i="0" u="none" strike="noStrike" cap="none" spc="0" baseline="0">
           <a:solidFill>
             <a:srgbClr val="000000"/>
           </a:solidFill>
@@ -2438,7 +2408,7 @@
         <a:buFont typeface="Arial"/>
         <a:buChar char="•"/>
         <a:tabLst/>
-        <a:defRPr b="0" baseline="0" cap="none" i="0" spc="0" strike="noStrike" sz="2800" u="none">
+        <a:defRPr sz="2800" b="0" i="0" u="none" strike="noStrike" cap="none" spc="0" baseline="0">
           <a:solidFill>
             <a:srgbClr val="000000"/>
           </a:solidFill>
@@ -2464,7 +2434,7 @@
         <a:buFont typeface="Arial"/>
         <a:buChar char="•"/>
         <a:tabLst/>
-        <a:defRPr b="0" baseline="0" cap="none" i="0" spc="0" strike="noStrike" sz="2800" u="none">
+        <a:defRPr sz="2800" b="0" i="0" u="none" strike="noStrike" cap="none" spc="0" baseline="0">
           <a:solidFill>
             <a:srgbClr val="000000"/>
           </a:solidFill>
@@ -2490,7 +2460,7 @@
         <a:buFont typeface="Arial"/>
         <a:buChar char="•"/>
         <a:tabLst/>
-        <a:defRPr b="0" baseline="0" cap="none" i="0" spc="0" strike="noStrike" sz="2800" u="none">
+        <a:defRPr sz="2800" b="0" i="0" u="none" strike="noStrike" cap="none" spc="0" baseline="0">
           <a:solidFill>
             <a:srgbClr val="000000"/>
           </a:solidFill>
@@ -2516,7 +2486,7 @@
         <a:buFont typeface="Arial"/>
         <a:buChar char="•"/>
         <a:tabLst/>
-        <a:defRPr b="0" baseline="0" cap="none" i="0" spc="0" strike="noStrike" sz="2800" u="none">
+        <a:defRPr sz="2800" b="0" i="0" u="none" strike="noStrike" cap="none" spc="0" baseline="0">
           <a:solidFill>
             <a:srgbClr val="000000"/>
           </a:solidFill>
@@ -2544,7 +2514,7 @@
         <a:buFontTx/>
         <a:buNone/>
         <a:tabLst/>
-        <a:defRPr b="0" baseline="0" cap="none" i="0" spc="0" strike="noStrike" sz="1200" u="none">
+        <a:defRPr sz="1200" b="0" i="0" u="none" strike="noStrike" cap="none" spc="0" baseline="0">
           <a:solidFill>
             <a:schemeClr val="tx1"/>
           </a:solidFill>
@@ -2570,7 +2540,7 @@
         <a:buFontTx/>
         <a:buNone/>
         <a:tabLst/>
-        <a:defRPr b="0" baseline="0" cap="none" i="0" spc="0" strike="noStrike" sz="1200" u="none">
+        <a:defRPr sz="1200" b="0" i="0" u="none" strike="noStrike" cap="none" spc="0" baseline="0">
           <a:solidFill>
             <a:schemeClr val="tx1"/>
           </a:solidFill>
@@ -2596,7 +2566,7 @@
         <a:buFontTx/>
         <a:buNone/>
         <a:tabLst/>
-        <a:defRPr b="0" baseline="0" cap="none" i="0" spc="0" strike="noStrike" sz="1200" u="none">
+        <a:defRPr sz="1200" b="0" i="0" u="none" strike="noStrike" cap="none" spc="0" baseline="0">
           <a:solidFill>
             <a:schemeClr val="tx1"/>
           </a:solidFill>
@@ -2622,7 +2592,7 @@
         <a:buFontTx/>
         <a:buNone/>
         <a:tabLst/>
-        <a:defRPr b="0" baseline="0" cap="none" i="0" spc="0" strike="noStrike" sz="1200" u="none">
+        <a:defRPr sz="1200" b="0" i="0" u="none" strike="noStrike" cap="none" spc="0" baseline="0">
           <a:solidFill>
             <a:schemeClr val="tx1"/>
           </a:solidFill>
@@ -2648,7 +2618,7 @@
         <a:buFontTx/>
         <a:buNone/>
         <a:tabLst/>
-        <a:defRPr b="0" baseline="0" cap="none" i="0" spc="0" strike="noStrike" sz="1200" u="none">
+        <a:defRPr sz="1200" b="0" i="0" u="none" strike="noStrike" cap="none" spc="0" baseline="0">
           <a:solidFill>
             <a:schemeClr val="tx1"/>
           </a:solidFill>
@@ -2674,7 +2644,7 @@
         <a:buFontTx/>
         <a:buNone/>
         <a:tabLst/>
-        <a:defRPr b="0" baseline="0" cap="none" i="0" spc="0" strike="noStrike" sz="1200" u="none">
+        <a:defRPr sz="1200" b="0" i="0" u="none" strike="noStrike" cap="none" spc="0" baseline="0">
           <a:solidFill>
             <a:schemeClr val="tx1"/>
           </a:solidFill>
@@ -2700,7 +2670,7 @@
         <a:buFontTx/>
         <a:buNone/>
         <a:tabLst/>
-        <a:defRPr b="0" baseline="0" cap="none" i="0" spc="0" strike="noStrike" sz="1200" u="none">
+        <a:defRPr sz="1200" b="0" i="0" u="none" strike="noStrike" cap="none" spc="0" baseline="0">
           <a:solidFill>
             <a:schemeClr val="tx1"/>
           </a:solidFill>
@@ -2726,7 +2696,7 @@
         <a:buFontTx/>
         <a:buNone/>
         <a:tabLst/>
-        <a:defRPr b="0" baseline="0" cap="none" i="0" spc="0" strike="noStrike" sz="1200" u="none">
+        <a:defRPr sz="1200" b="0" i="0" u="none" strike="noStrike" cap="none" spc="0" baseline="0">
           <a:solidFill>
             <a:schemeClr val="tx1"/>
           </a:solidFill>
@@ -2752,7 +2722,7 @@
         <a:buFontTx/>
         <a:buNone/>
         <a:tabLst/>
-        <a:defRPr b="0" baseline="0" cap="none" i="0" spc="0" strike="noStrike" sz="1200" u="none">
+        <a:defRPr sz="1200" b="0" i="0" u="none" strike="noStrike" cap="none" spc="0" baseline="0">
           <a:solidFill>
             <a:schemeClr val="tx1"/>
           </a:solidFill>
@@ -2769,7 +2739,7 @@
 </file>
 
 <file path=ppt/slides/slide1.xml><?xml version="1.0" encoding="utf-8"?>
-<p:sld xmlns:a="http://schemas.openxmlformats.org/drawingml/2006/main" xmlns:r="http://schemas.openxmlformats.org/officeDocument/2006/relationships" xmlns:p="http://schemas.openxmlformats.org/presentationml/2006/main" xmlns:m="http://schemas.openxmlformats.org/officeDocument/2006/math" xmlns:a14="http://schemas.microsoft.com/office/drawing/2010/main" showMasterSp="1" showMasterPhAnim="1">
+<p:sld xmlns:a="http://schemas.openxmlformats.org/drawingml/2006/main" xmlns:r="http://schemas.openxmlformats.org/officeDocument/2006/relationships" xmlns:p="http://schemas.openxmlformats.org/presentationml/2006/main">
   <p:cSld>
     <p:spTree>
       <p:nvGrpSpPr>
@@ -2788,7 +2758,303 @@
       <p:sp>
         <p:nvSpPr>
           <p:cNvPr id="103" name="Title 1"/>
+          <p:cNvSpPr txBox="1">
+            <a:spLocks noGrp="1"/>
+          </p:cNvSpPr>
+          <p:nvPr>
+            <p:ph type="title"/>
+          </p:nvPr>
+        </p:nvSpPr>
+        <p:spPr>
+          <a:xfrm>
+            <a:off x="209402" y="315006"/>
+            <a:ext cx="11147636" cy="706034"/>
+          </a:xfrm>
+          <a:prstGeom prst="rect">
+            <a:avLst/>
+          </a:prstGeom>
+        </p:spPr>
+        <p:txBody>
+          <a:bodyPr>
+            <a:normAutofit/>
+          </a:bodyPr>
+          <a:lstStyle/>
+          <a:p>
+            <a:pPr algn="ctr"/>
+            <a:r>
+              <a:rPr dirty="0"/>
+              <a:t>Employees Management System</a:t>
+            </a:r>
+          </a:p>
+        </p:txBody>
+      </p:sp>
+      <p:sp>
+        <p:nvSpPr>
+          <p:cNvPr id="104" name="Slide Number Placeholder 2"/>
+          <p:cNvSpPr txBox="1">
+            <a:spLocks noGrp="1"/>
+          </p:cNvSpPr>
+          <p:nvPr>
+            <p:ph type="sldNum" sz="quarter" idx="4294967295"/>
+          </p:nvPr>
+        </p:nvSpPr>
+        <p:spPr>
+          <a:xfrm>
+            <a:off x="11490274" y="6095525"/>
+            <a:ext cx="181381" cy="248304"/>
+          </a:xfrm>
+          <a:prstGeom prst="rect">
+            <a:avLst/>
+          </a:prstGeom>
+          <a:extLst>
+            <a:ext uri="{C572A759-6A51-4108-AA02-DFA0A04FC94B}">
+              <ma14:wrappingTextBoxFlag xmlns:ma14="http://schemas.microsoft.com/office/mac/drawingml/2011/main" xmlns:a14="http://schemas.microsoft.com/office/drawing/2010/main" xmlns:m="http://schemas.openxmlformats.org/officeDocument/2006/math" xmlns="" val="1"/>
+            </a:ext>
+          </a:extLst>
+        </p:spPr>
+        <p:txBody>
+          <a:bodyPr/>
+          <a:lstStyle/>
+          <a:p>
+            <a:fld id="{86CB4B4D-7CA3-9044-876B-883B54F8677D}" type="slidenum">
+              <a:t>1</a:t>
+            </a:fld>
+            <a:endParaRPr/>
+          </a:p>
+        </p:txBody>
+      </p:sp>
+      <p:sp>
+        <p:nvSpPr>
+          <p:cNvPr id="105" name="Rectangle 3"/>
           <p:cNvSpPr txBox="1"/>
+          <p:nvPr/>
+        </p:nvSpPr>
+        <p:spPr>
+          <a:xfrm>
+            <a:off x="2795675" y="2093651"/>
+            <a:ext cx="8694599" cy="338550"/>
+          </a:xfrm>
+          <a:prstGeom prst="rect">
+            <a:avLst/>
+          </a:prstGeom>
+          <a:ln w="12700">
+            <a:miter lim="400000"/>
+          </a:ln>
+          <a:extLst>
+            <a:ext uri="{C572A759-6A51-4108-AA02-DFA0A04FC94B}">
+              <ma14:wrappingTextBoxFlag xmlns:ma14="http://schemas.microsoft.com/office/mac/drawingml/2011/main" xmlns:a14="http://schemas.microsoft.com/office/drawing/2010/main" xmlns:m="http://schemas.openxmlformats.org/officeDocument/2006/math" xmlns="" val="1"/>
+            </a:ext>
+          </a:extLst>
+        </p:spPr>
+        <p:txBody>
+          <a:bodyPr lIns="45718" tIns="45718" rIns="45718" bIns="45718">
+            <a:spAutoFit/>
+          </a:bodyPr>
+          <a:lstStyle>
+            <a:lvl1pPr>
+              <a:defRPr sz="1600">
+                <a:solidFill>
+                  <a:srgbClr val="0474EF"/>
+                </a:solidFill>
+                <a:latin typeface="Univers Next Arabic"/>
+                <a:ea typeface="Univers Next Arabic"/>
+                <a:cs typeface="Univers Next Arabic"/>
+                <a:sym typeface="Univers Next Arabic"/>
+              </a:defRPr>
+            </a:lvl1pPr>
+          </a:lstStyle>
+          <a:p>
+            <a:r>
+              <a:rPr lang="en-US" dirty="0" err="1" smtClean="0"/>
+              <a:t>Bug</a:t>
+            </a:r>
+            <a:r>
+              <a:rPr dirty="0" err="1" smtClean="0"/>
+              <a:t>Hunters</a:t>
+            </a:r>
+            <a:r>
+              <a:rPr lang="en-US" dirty="0" smtClean="0"/>
+              <a:t>:</a:t>
+            </a:r>
+            <a:endParaRPr dirty="0"/>
+          </a:p>
+        </p:txBody>
+      </p:sp>
+      <p:sp>
+        <p:nvSpPr>
+          <p:cNvPr id="113" name="Rectangle 22"/>
+          <p:cNvSpPr txBox="1"/>
+          <p:nvPr/>
+        </p:nvSpPr>
+        <p:spPr>
+          <a:xfrm>
+            <a:off x="2691802" y="2482008"/>
+            <a:ext cx="6004562" cy="1056639"/>
+          </a:xfrm>
+          <a:prstGeom prst="rect">
+            <a:avLst/>
+          </a:prstGeom>
+          <a:ln w="12700">
+            <a:miter lim="400000"/>
+          </a:ln>
+          <a:extLst>
+            <a:ext uri="{C572A759-6A51-4108-AA02-DFA0A04FC94B}">
+              <ma14:wrappingTextBoxFlag xmlns:ma14="http://schemas.microsoft.com/office/mac/drawingml/2011/main" xmlns:a14="http://schemas.microsoft.com/office/drawing/2010/main" xmlns:m="http://schemas.openxmlformats.org/officeDocument/2006/math" xmlns="" val="1"/>
+            </a:ext>
+          </a:extLst>
+        </p:spPr>
+        <p:txBody>
+          <a:bodyPr lIns="45718" tIns="45718" rIns="45718" bIns="45718">
+            <a:spAutoFit/>
+          </a:bodyPr>
+          <a:lstStyle/>
+          <a:p>
+            <a:pPr marL="457200" indent="-457200">
+              <a:buSzPct val="100000"/>
+              <a:buChar char="▪"/>
+              <a:defRPr sz="1600">
+                <a:solidFill>
+                  <a:srgbClr val="808080"/>
+                </a:solidFill>
+                <a:latin typeface="Univers Next Arabic"/>
+                <a:ea typeface="Univers Next Arabic"/>
+                <a:cs typeface="Univers Next Arabic"/>
+                <a:sym typeface="Univers Next Arabic"/>
+              </a:defRPr>
+            </a:pPr>
+            <a:r>
+              <a:rPr dirty="0"/>
+              <a:t>Haifa</a:t>
+            </a:r>
+          </a:p>
+          <a:p>
+            <a:pPr marL="457200" indent="-457200">
+              <a:buSzPct val="100000"/>
+              <a:buChar char="▪"/>
+              <a:defRPr sz="1600">
+                <a:solidFill>
+                  <a:srgbClr val="808080"/>
+                </a:solidFill>
+                <a:latin typeface="Univers Next Arabic"/>
+                <a:ea typeface="Univers Next Arabic"/>
+                <a:cs typeface="Univers Next Arabic"/>
+                <a:sym typeface="Univers Next Arabic"/>
+              </a:defRPr>
+            </a:pPr>
+            <a:r>
+              <a:rPr dirty="0" err="1"/>
+              <a:t>Hisham</a:t>
+            </a:r>
+            <a:endParaRPr dirty="0"/>
+          </a:p>
+          <a:p>
+            <a:pPr marL="457200" indent="-457200">
+              <a:buSzPct val="100000"/>
+              <a:buChar char="▪"/>
+              <a:defRPr sz="1600">
+                <a:solidFill>
+                  <a:srgbClr val="808080"/>
+                </a:solidFill>
+                <a:latin typeface="Univers Next Arabic"/>
+                <a:ea typeface="Univers Next Arabic"/>
+                <a:cs typeface="Univers Next Arabic"/>
+                <a:sym typeface="Univers Next Arabic"/>
+              </a:defRPr>
+            </a:pPr>
+            <a:r>
+              <a:rPr dirty="0"/>
+              <a:t>Nada</a:t>
+            </a:r>
+          </a:p>
+          <a:p>
+            <a:pPr marL="457200" indent="-457200">
+              <a:buSzPct val="100000"/>
+              <a:buChar char="▪"/>
+              <a:defRPr sz="1600">
+                <a:solidFill>
+                  <a:srgbClr val="808080"/>
+                </a:solidFill>
+                <a:latin typeface="Univers Next Arabic"/>
+                <a:ea typeface="Univers Next Arabic"/>
+                <a:cs typeface="Univers Next Arabic"/>
+                <a:sym typeface="Univers Next Arabic"/>
+              </a:defRPr>
+            </a:pPr>
+            <a:r>
+              <a:rPr dirty="0"/>
+              <a:t>Sara</a:t>
+            </a:r>
+          </a:p>
+        </p:txBody>
+      </p:sp>
+      <p:pic>
+        <p:nvPicPr>
+          <p:cNvPr id="115" name="BUG HUNTERS.png" descr="BUG HUNTERS.png"/>
+          <p:cNvPicPr>
+            <a:picLocks noChangeAspect="1"/>
+          </p:cNvPicPr>
+          <p:nvPr/>
+        </p:nvPicPr>
+        <p:blipFill>
+          <a:blip r:embed="rId2">
+            <a:extLst/>
+          </a:blip>
+          <a:stretch>
+            <a:fillRect/>
+          </a:stretch>
+        </p:blipFill>
+        <p:spPr>
+          <a:xfrm>
+            <a:off x="6880173" y="1409397"/>
+            <a:ext cx="2399930" cy="2995825"/>
+          </a:xfrm>
+          <a:prstGeom prst="rect">
+            <a:avLst/>
+          </a:prstGeom>
+          <a:ln w="12700">
+            <a:miter lim="400000"/>
+          </a:ln>
+        </p:spPr>
+      </p:pic>
+    </p:spTree>
+  </p:cSld>
+  <p:clrMapOvr>
+    <a:masterClrMapping/>
+  </p:clrMapOvr>
+  <p:transition spd="med"/>
+  <p:timing>
+    <p:tnLst>
+      <p:par>
+        <p:cTn id="1" dur="indefinite" restart="never" nodeType="tmRoot"/>
+      </p:par>
+    </p:tnLst>
+  </p:timing>
+</p:sld>
+</file>
+
+<file path=ppt/slides/slide2.xml><?xml version="1.0" encoding="utf-8"?>
+<p:sld xmlns:a="http://schemas.openxmlformats.org/drawingml/2006/main" xmlns:r="http://schemas.openxmlformats.org/officeDocument/2006/relationships" xmlns:p="http://schemas.openxmlformats.org/presentationml/2006/main">
+  <p:cSld>
+    <p:spTree>
+      <p:nvGrpSpPr>
+        <p:cNvPr id="1" name=""/>
+        <p:cNvGrpSpPr/>
+        <p:nvPr/>
+      </p:nvGrpSpPr>
+      <p:grpSpPr>
+        <a:xfrm>
+          <a:off x="0" y="0"/>
+          <a:ext cx="0" cy="0"/>
+          <a:chOff x="0" y="0"/>
+          <a:chExt cx="0" cy="0"/>
+        </a:xfrm>
+      </p:grpSpPr>
+      <p:sp>
+        <p:nvSpPr>
+          <p:cNvPr id="103" name="Title 1"/>
+          <p:cNvSpPr txBox="1">
+            <a:spLocks noGrp="1"/>
+          </p:cNvSpPr>
           <p:nvPr>
             <p:ph type="title"/>
           </p:nvPr>
@@ -2806,7 +3072,6 @@
           <a:bodyPr/>
           <a:lstStyle/>
           <a:p>
-            <a:pPr/>
             <a:r>
               <a:t>Employees Management System</a:t>
             </a:r>
@@ -2816,7 +3081,9 @@
       <p:sp>
         <p:nvSpPr>
           <p:cNvPr id="104" name="Slide Number Placeholder 2"/>
-          <p:cNvSpPr txBox="1"/>
+          <p:cNvSpPr txBox="1">
+            <a:spLocks noGrp="1"/>
+          </p:cNvSpPr>
           <p:nvPr>
             <p:ph type="sldNum" sz="quarter" idx="4294967295"/>
           </p:nvPr>
@@ -2831,7 +3098,7 @@
           </a:prstGeom>
           <a:extLst>
             <a:ext uri="{C572A759-6A51-4108-AA02-DFA0A04FC94B}">
-              <ma14:wrappingTextBoxFlag xmlns:ma14="http://schemas.microsoft.com/office/mac/drawingml/2011/main" val="1"/>
+              <ma14:wrappingTextBoxFlag xmlns:ma14="http://schemas.microsoft.com/office/mac/drawingml/2011/main" xmlns:a14="http://schemas.microsoft.com/office/drawing/2010/main" xmlns:m="http://schemas.openxmlformats.org/officeDocument/2006/math" xmlns="" val="1"/>
             </a:ext>
           </a:extLst>
         </p:spPr>
@@ -2839,8 +3106,10 @@
           <a:bodyPr/>
           <a:lstStyle/>
           <a:p>
-            <a:pPr/>
-            <a:fld id="{86CB4B4D-7CA3-9044-876B-883B54F8677D}" type="slidenum"/>
+            <a:fld id="{86CB4B4D-7CA3-9044-876B-883B54F8677D}" type="slidenum">
+              <a:t>2</a:t>
+            </a:fld>
+            <a:endParaRPr/>
           </a:p>
         </p:txBody>
       </p:sp>
@@ -2863,7 +3132,7 @@
           </a:ln>
           <a:extLst>
             <a:ext uri="{C572A759-6A51-4108-AA02-DFA0A04FC94B}">
-              <ma14:wrappingTextBoxFlag xmlns:ma14="http://schemas.microsoft.com/office/mac/drawingml/2011/main" val="1"/>
+              <ma14:wrappingTextBoxFlag xmlns:ma14="http://schemas.microsoft.com/office/mac/drawingml/2011/main" xmlns:a14="http://schemas.microsoft.com/office/drawing/2010/main" xmlns:m="http://schemas.openxmlformats.org/officeDocument/2006/math" xmlns="" val="1"/>
             </a:ext>
           </a:extLst>
         </p:spPr>
@@ -2885,9 +3154,13 @@
             </a:lvl1pPr>
           </a:lstStyle>
           <a:p>
-            <a:pPr/>
-            <a:r>
-              <a:t>Team:Bug Hunters</a:t>
+            <a:r>
+              <a:rPr dirty="0" err="1"/>
+              <a:t>Team:Bug</a:t>
+            </a:r>
+            <a:r>
+              <a:rPr dirty="0"/>
+              <a:t> Hunters</a:t>
             </a:r>
           </a:p>
         </p:txBody>
@@ -2899,8 +3172,8 @@
           <p:nvPr/>
         </p:nvSpPr>
         <p:spPr>
-          <a:xfrm flipH="1" rot="10800000">
-            <a:off x="429420" y="1325097"/>
+          <a:xfrm rot="10800000" flipH="1">
+            <a:off x="407571" y="1412935"/>
             <a:ext cx="10479586" cy="599028"/>
           </a:xfrm>
           <a:prstGeom prst="roundRect">
@@ -2922,13 +3195,14 @@
           <a:lstStyle/>
           <a:p>
             <a:pPr>
-              <a:defRPr b="1" sz="1400">
+              <a:defRPr sz="1400" b="1">
                 <a:latin typeface="+mj-lt"/>
                 <a:ea typeface="+mj-ea"/>
                 <a:cs typeface="+mj-cs"/>
                 <a:sym typeface="Helvetica"/>
               </a:defRPr>
             </a:pPr>
+            <a:endParaRPr/>
           </a:p>
         </p:txBody>
       </p:sp>
@@ -2951,7 +3225,7 @@
           </a:ln>
           <a:extLst>
             <a:ext uri="{C572A759-6A51-4108-AA02-DFA0A04FC94B}">
-              <ma14:wrappingTextBoxFlag xmlns:ma14="http://schemas.microsoft.com/office/mac/drawingml/2011/main" val="1"/>
+              <ma14:wrappingTextBoxFlag xmlns:ma14="http://schemas.microsoft.com/office/mac/drawingml/2011/main" xmlns:a14="http://schemas.microsoft.com/office/drawing/2010/main" xmlns:m="http://schemas.openxmlformats.org/officeDocument/2006/math" xmlns="" val="1"/>
             </a:ext>
           </a:extLst>
         </p:spPr>
@@ -2976,8 +3250,8 @@
             </a:lvl1pPr>
           </a:lstStyle>
           <a:p>
-            <a:pPr/>
-            <a:r>
+            <a:r>
+              <a:rPr dirty="0"/>
               <a:t>Project Description:</a:t>
             </a:r>
           </a:p>
@@ -2990,7 +3264,7 @@
           <p:nvPr/>
         </p:nvSpPr>
         <p:spPr>
-          <a:xfrm flipH="1" rot="10800000">
+          <a:xfrm rot="10800000" flipH="1">
             <a:off x="429412" y="2093023"/>
             <a:ext cx="10479587" cy="1463322"/>
           </a:xfrm>
@@ -3010,13 +3284,14 @@
           <a:lstStyle/>
           <a:p>
             <a:pPr>
-              <a:defRPr b="1" sz="1400">
+              <a:defRPr sz="1400" b="1">
                 <a:latin typeface="+mj-lt"/>
                 <a:ea typeface="+mj-ea"/>
                 <a:cs typeface="+mj-cs"/>
                 <a:sym typeface="Helvetica"/>
               </a:defRPr>
             </a:pPr>
+            <a:endParaRPr/>
           </a:p>
         </p:txBody>
       </p:sp>
@@ -3027,7 +3302,7 @@
           <p:nvPr/>
         </p:nvSpPr>
         <p:spPr>
-          <a:xfrm flipH="1" rot="10800000">
+          <a:xfrm rot="10800000" flipH="1">
             <a:off x="429414" y="3674700"/>
             <a:ext cx="4546625" cy="599028"/>
           </a:xfrm>
@@ -3050,13 +3325,14 @@
           <a:lstStyle/>
           <a:p>
             <a:pPr>
-              <a:defRPr b="1" sz="1400">
+              <a:defRPr sz="1400" b="1">
                 <a:latin typeface="+mj-lt"/>
                 <a:ea typeface="+mj-ea"/>
                 <a:cs typeface="+mj-cs"/>
                 <a:sym typeface="Helvetica"/>
               </a:defRPr>
             </a:pPr>
+            <a:endParaRPr/>
           </a:p>
         </p:txBody>
       </p:sp>
@@ -3079,7 +3355,7 @@
           </a:ln>
           <a:extLst>
             <a:ext uri="{C572A759-6A51-4108-AA02-DFA0A04FC94B}">
-              <ma14:wrappingTextBoxFlag xmlns:ma14="http://schemas.microsoft.com/office/mac/drawingml/2011/main" val="1"/>
+              <ma14:wrappingTextBoxFlag xmlns:ma14="http://schemas.microsoft.com/office/mac/drawingml/2011/main" xmlns:a14="http://schemas.microsoft.com/office/drawing/2010/main" xmlns:m="http://schemas.openxmlformats.org/officeDocument/2006/math" xmlns="" val="1"/>
             </a:ext>
           </a:extLst>
         </p:spPr>
@@ -3104,7 +3380,6 @@
             </a:lvl1pPr>
           </a:lstStyle>
           <a:p>
-            <a:pPr/>
             <a:r>
               <a:t>Team Members</a:t>
             </a:r>
@@ -3118,7 +3393,7 @@
           <p:nvPr/>
         </p:nvSpPr>
         <p:spPr>
-          <a:xfrm flipH="1" rot="10800000">
+          <a:xfrm rot="10800000" flipH="1">
             <a:off x="407572" y="4333399"/>
             <a:ext cx="4568461" cy="1471979"/>
           </a:xfrm>
@@ -3138,13 +3413,14 @@
           <a:lstStyle/>
           <a:p>
             <a:pPr>
-              <a:defRPr b="1" sz="1400">
+              <a:defRPr sz="1400" b="1">
                 <a:latin typeface="+mj-lt"/>
                 <a:ea typeface="+mj-ea"/>
                 <a:cs typeface="+mj-cs"/>
                 <a:sym typeface="Helvetica"/>
               </a:defRPr>
             </a:pPr>
+            <a:endParaRPr/>
           </a:p>
         </p:txBody>
       </p:sp>
@@ -3167,7 +3443,7 @@
           </a:ln>
           <a:extLst>
             <a:ext uri="{C572A759-6A51-4108-AA02-DFA0A04FC94B}">
-              <ma14:wrappingTextBoxFlag xmlns:ma14="http://schemas.microsoft.com/office/mac/drawingml/2011/main" val="1"/>
+              <ma14:wrappingTextBoxFlag xmlns:ma14="http://schemas.microsoft.com/office/mac/drawingml/2011/main" xmlns:a14="http://schemas.microsoft.com/office/drawing/2010/main" xmlns:m="http://schemas.openxmlformats.org/officeDocument/2006/math" xmlns="" val="1"/>
             </a:ext>
           </a:extLst>
         </p:spPr>
@@ -3188,6 +3464,7 @@
                 <a:sym typeface="Univers Next Arabic"/>
               </a:defRPr>
             </a:pPr>
+            <a:endParaRPr/>
           </a:p>
           <a:p>
             <a:pPr>
@@ -3226,7 +3503,7 @@
           </a:ln>
           <a:extLst>
             <a:ext uri="{C572A759-6A51-4108-AA02-DFA0A04FC94B}">
-              <ma14:wrappingTextBoxFlag xmlns:ma14="http://schemas.microsoft.com/office/mac/drawingml/2011/main" val="1"/>
+              <ma14:wrappingTextBoxFlag xmlns:ma14="http://schemas.microsoft.com/office/mac/drawingml/2011/main" xmlns:a14="http://schemas.microsoft.com/office/drawing/2010/main" xmlns:m="http://schemas.openxmlformats.org/officeDocument/2006/math" xmlns="" val="1"/>
             </a:ext>
           </a:extLst>
         </p:spPr>
@@ -3328,7 +3605,7 @@
           </a:ln>
           <a:extLst>
             <a:ext uri="{C572A759-6A51-4108-AA02-DFA0A04FC94B}">
-              <ma14:wrappingTextBoxFlag xmlns:ma14="http://schemas.microsoft.com/office/mac/drawingml/2011/main" val="1"/>
+              <ma14:wrappingTextBoxFlag xmlns:ma14="http://schemas.microsoft.com/office/mac/drawingml/2011/main" xmlns:a14="http://schemas.microsoft.com/office/drawing/2010/main" xmlns:m="http://schemas.openxmlformats.org/officeDocument/2006/math" xmlns="" val="1"/>
             </a:ext>
           </a:extLst>
         </p:spPr>
@@ -3464,16 +3741,28 @@
         </p:spPr>
       </p:pic>
     </p:spTree>
+    <p:extLst>
+      <p:ext uri="{BB962C8B-B14F-4D97-AF65-F5344CB8AC3E}">
+        <p14:creationId xmlns:p14="http://schemas.microsoft.com/office/powerpoint/2010/main" val="648082215"/>
+      </p:ext>
+    </p:extLst>
   </p:cSld>
   <p:clrMapOvr>
     <a:masterClrMapping/>
   </p:clrMapOvr>
-  <p:transition xmlns:p14="http://schemas.microsoft.com/office/powerpoint/2010/main" spd="med" advClick="1"/>
+  <p:transition spd="med"/>
+  <p:timing>
+    <p:tnLst>
+      <p:par>
+        <p:cTn id="1" dur="indefinite" restart="never" nodeType="tmRoot"/>
+      </p:par>
+    </p:tnLst>
+  </p:timing>
 </p:sld>
 </file>
 
-<file path=ppt/slides/slide2.xml><?xml version="1.0" encoding="utf-8"?>
-<p:sld xmlns:a="http://schemas.openxmlformats.org/drawingml/2006/main" xmlns:r="http://schemas.openxmlformats.org/officeDocument/2006/relationships" xmlns:p="http://schemas.openxmlformats.org/presentationml/2006/main" xmlns:m="http://schemas.openxmlformats.org/officeDocument/2006/math" xmlns:a14="http://schemas.microsoft.com/office/drawing/2010/main" showMasterSp="1" showMasterPhAnim="1">
+<file path=ppt/slides/slide3.xml><?xml version="1.0" encoding="utf-8"?>
+<p:sld xmlns:a="http://schemas.openxmlformats.org/drawingml/2006/main" xmlns:r="http://schemas.openxmlformats.org/officeDocument/2006/relationships" xmlns:p="http://schemas.openxmlformats.org/presentationml/2006/main">
   <p:cSld>
     <p:spTree>
       <p:nvGrpSpPr>
@@ -3492,7 +3781,9 @@
       <p:sp>
         <p:nvSpPr>
           <p:cNvPr id="117" name="Slide Number Placeholder 2"/>
-          <p:cNvSpPr txBox="1"/>
+          <p:cNvSpPr txBox="1">
+            <a:spLocks noGrp="1"/>
+          </p:cNvSpPr>
           <p:nvPr>
             <p:ph type="sldNum" sz="quarter" idx="4294967295"/>
           </p:nvPr>
@@ -3507,7 +3798,7 @@
           </a:prstGeom>
           <a:extLst>
             <a:ext uri="{C572A759-6A51-4108-AA02-DFA0A04FC94B}">
-              <ma14:wrappingTextBoxFlag xmlns:ma14="http://schemas.microsoft.com/office/mac/drawingml/2011/main" val="1"/>
+              <ma14:wrappingTextBoxFlag xmlns:ma14="http://schemas.microsoft.com/office/mac/drawingml/2011/main" xmlns:a14="http://schemas.microsoft.com/office/drawing/2010/main" xmlns:m="http://schemas.openxmlformats.org/officeDocument/2006/math" xmlns="" val="1"/>
             </a:ext>
           </a:extLst>
         </p:spPr>
@@ -3515,15 +3806,19 @@
           <a:bodyPr/>
           <a:lstStyle/>
           <a:p>
-            <a:pPr/>
-            <a:fld id="{86CB4B4D-7CA3-9044-876B-883B54F8677D}" type="slidenum"/>
+            <a:fld id="{86CB4B4D-7CA3-9044-876B-883B54F8677D}" type="slidenum">
+              <a:t>3</a:t>
+            </a:fld>
+            <a:endParaRPr/>
           </a:p>
         </p:txBody>
       </p:sp>
       <p:sp>
         <p:nvSpPr>
           <p:cNvPr id="118" name="Title 1"/>
-          <p:cNvSpPr txBox="1"/>
+          <p:cNvSpPr txBox="1">
+            <a:spLocks noGrp="1"/>
+          </p:cNvSpPr>
           <p:nvPr>
             <p:ph type="title"/>
           </p:nvPr>
@@ -3547,7 +3842,6 @@
             </a:lvl1pPr>
           </a:lstStyle>
           <a:p>
-            <a:pPr/>
             <a:r>
               <a:t>Project - Objectives</a:t>
             </a:r>
@@ -3562,10 +3856,10 @@
         </p:nvGrpSpPr>
         <p:grpSpPr>
           <a:xfrm>
-            <a:off x="503314" y="1572708"/>
-            <a:ext cx="10758654" cy="3867511"/>
-            <a:chOff x="0" y="-1"/>
-            <a:chExt cx="10758653" cy="3867510"/>
+            <a:off x="503314" y="1572707"/>
+            <a:ext cx="10758657" cy="3817909"/>
+            <a:chOff x="0" y="-2"/>
+            <a:chExt cx="10758656" cy="3817908"/>
           </a:xfrm>
         </p:grpSpPr>
         <p:sp>
@@ -3603,7 +3897,7 @@
             <a:lstStyle/>
             <a:p>
               <a:pPr>
-                <a:defRPr b="1" sz="1500">
+                <a:defRPr sz="1500" b="1">
                   <a:solidFill>
                     <a:srgbClr val="FFFFFF"/>
                   </a:solidFill>
@@ -3613,6 +3907,7 @@
                   <a:sym typeface="Helvetica"/>
                 </a:defRPr>
               </a:pPr>
+              <a:endParaRPr/>
             </a:p>
           </p:txBody>
         </p:sp>
@@ -3624,10 +3919,10 @@
           </p:nvGrpSpPr>
           <p:grpSpPr>
             <a:xfrm>
-              <a:off x="0" y="872100"/>
-              <a:ext cx="10758654" cy="2995410"/>
-              <a:chOff x="0" y="0"/>
-              <a:chExt cx="10758653" cy="2995409"/>
+              <a:off x="0" y="822495"/>
+              <a:ext cx="10758656" cy="2995411"/>
+              <a:chOff x="0" y="-49605"/>
+              <a:chExt cx="10758655" cy="2995410"/>
             </a:xfrm>
           </p:grpSpPr>
           <p:sp>
@@ -3638,7 +3933,7 @@
             </p:nvSpPr>
             <p:spPr>
               <a:xfrm flipH="1">
-                <a:off x="-1" y="0"/>
+                <a:off x="0" y="-49605"/>
                 <a:ext cx="10758655" cy="2995410"/>
               </a:xfrm>
               <a:prstGeom prst="rect">
@@ -3676,6 +3971,7 @@
                     <a:sym typeface="Univers Next Arabic"/>
                   </a:defRPr>
                 </a:pPr>
+                <a:endParaRPr/>
               </a:p>
             </p:txBody>
           </p:sp>
@@ -3701,7 +3997,7 @@
               <a:effectLst/>
               <a:extLst>
                 <a:ext uri="{C572A759-6A51-4108-AA02-DFA0A04FC94B}">
-                  <ma14:wrappingTextBoxFlag xmlns:ma14="http://schemas.microsoft.com/office/mac/drawingml/2011/main" val="1"/>
+                  <ma14:wrappingTextBoxFlag xmlns:ma14="http://schemas.microsoft.com/office/mac/drawingml/2011/main" xmlns:a14="http://schemas.microsoft.com/office/drawing/2010/main" xmlns:m="http://schemas.openxmlformats.org/officeDocument/2006/math" xmlns="" val="1"/>
                 </a:ext>
               </a:extLst>
             </p:spPr>
@@ -3725,10 +4021,11 @@
                   </a:defRPr>
                 </a:pPr>
                 <a:r>
+                  <a:rPr dirty="0"/>
                   <a:t> </a:t>
                 </a:r>
                 <a:r>
-                  <a:rPr>
+                  <a:rPr dirty="0">
                     <a:latin typeface="Univers Next Arabic"/>
                     <a:ea typeface="Univers Next Arabic"/>
                     <a:cs typeface="Univers Next Arabic"/>
@@ -3736,7 +4033,7 @@
                   </a:rPr>
                   <a:t>…</a:t>
                 </a:r>
-                <a:endParaRPr>
+                <a:endParaRPr dirty="0">
                   <a:solidFill>
                     <a:srgbClr val="FFFFFF"/>
                   </a:solidFill>
@@ -3761,9 +4058,10 @@
                   </a:defRPr>
                 </a:pPr>
                 <a:r>
+                  <a:rPr dirty="0"/>
                   <a:t>…</a:t>
                 </a:r>
-                <a:endParaRPr>
+                <a:endParaRPr dirty="0">
                   <a:solidFill>
                     <a:srgbClr val="FFFFFF"/>
                   </a:solidFill>
@@ -3788,9 +4086,10 @@
                   </a:defRPr>
                 </a:pPr>
                 <a:r>
+                  <a:rPr dirty="0"/>
                   <a:t>…</a:t>
                 </a:r>
-                <a:endParaRPr>
+                <a:endParaRPr dirty="0">
                   <a:solidFill>
                     <a:srgbClr val="FFFFFF"/>
                   </a:solidFill>
@@ -3815,6 +4114,7 @@
                   </a:defRPr>
                 </a:pPr>
                 <a:r>
+                  <a:rPr dirty="0"/>
                   <a:t>…</a:t>
                 </a:r>
               </a:p>
@@ -3870,7 +4170,7 @@
           </a:ln>
           <a:extLst>
             <a:ext uri="{C572A759-6A51-4108-AA02-DFA0A04FC94B}">
-              <ma14:wrappingTextBoxFlag xmlns:ma14="http://schemas.microsoft.com/office/mac/drawingml/2011/main" val="1"/>
+              <ma14:wrappingTextBoxFlag xmlns:ma14="http://schemas.microsoft.com/office/mac/drawingml/2011/main" xmlns:a14="http://schemas.microsoft.com/office/drawing/2010/main" xmlns:m="http://schemas.openxmlformats.org/officeDocument/2006/math" xmlns="" val="1"/>
             </a:ext>
           </a:extLst>
         </p:spPr>
@@ -3880,7 +4180,7 @@
           </a:bodyPr>
           <a:lstStyle>
             <a:lvl1pPr algn="r">
-              <a:defRPr b="1" sz="1600">
+              <a:defRPr sz="1600" b="1">
                 <a:solidFill>
                   <a:srgbClr val="FFFFFF"/>
                 </a:solidFill>
@@ -3892,24 +4192,124 @@
             </a:lvl1pPr>
           </a:lstStyle>
           <a:p>
-            <a:pPr/>
             <a:r>
               <a:t>Objectives:</a:t>
             </a:r>
           </a:p>
         </p:txBody>
       </p:sp>
+      <p:sp>
+        <p:nvSpPr>
+          <p:cNvPr id="13" name="Rectangle 3"/>
+          <p:cNvSpPr txBox="1"/>
+          <p:nvPr/>
+        </p:nvSpPr>
+        <p:spPr>
+          <a:xfrm>
+            <a:off x="379074" y="888741"/>
+            <a:ext cx="8694599" cy="332738"/>
+          </a:xfrm>
+          <a:prstGeom prst="rect">
+            <a:avLst/>
+          </a:prstGeom>
+          <a:ln w="12700">
+            <a:miter lim="400000"/>
+          </a:ln>
+          <a:extLst>
+            <a:ext uri="{C572A759-6A51-4108-AA02-DFA0A04FC94B}">
+              <ma14:wrappingTextBoxFlag xmlns:ma14="http://schemas.microsoft.com/office/mac/drawingml/2011/main" xmlns:a14="http://schemas.microsoft.com/office/drawing/2010/main" xmlns:m="http://schemas.openxmlformats.org/officeDocument/2006/math" xmlns="" val="1"/>
+            </a:ext>
+          </a:extLst>
+        </p:spPr>
+        <p:txBody>
+          <a:bodyPr lIns="45718" tIns="45718" rIns="45718" bIns="45718">
+            <a:spAutoFit/>
+          </a:bodyPr>
+          <a:lstStyle>
+            <a:lvl1pPr>
+              <a:defRPr sz="1600">
+                <a:solidFill>
+                  <a:srgbClr val="0474EF"/>
+                </a:solidFill>
+                <a:latin typeface="Univers Next Arabic"/>
+                <a:ea typeface="Univers Next Arabic"/>
+                <a:cs typeface="Univers Next Arabic"/>
+                <a:sym typeface="Univers Next Arabic"/>
+              </a:defRPr>
+            </a:lvl1pPr>
+          </a:lstStyle>
+          <a:p>
+            <a:r>
+              <a:rPr dirty="0" err="1"/>
+              <a:t>Team:Bug</a:t>
+            </a:r>
+            <a:r>
+              <a:rPr dirty="0"/>
+              <a:t> Hunters</a:t>
+            </a:r>
+          </a:p>
+        </p:txBody>
+      </p:sp>
+      <p:pic>
+        <p:nvPicPr>
+          <p:cNvPr id="14" name="BUG HUNTERS.png" descr="BUG HUNTERS.png"/>
+          <p:cNvPicPr>
+            <a:picLocks noChangeAspect="1"/>
+          </p:cNvPicPr>
+          <p:nvPr/>
+        </p:nvPicPr>
+        <p:blipFill>
+          <a:blip r:embed="rId3">
+            <a:extLst>
+              <a:ext uri="{BEBA8EAE-BF5A-486C-A8C5-ECC9F3942E4B}">
+                <a14:imgProps xmlns:a14="http://schemas.microsoft.com/office/drawing/2010/main">
+                  <a14:imgLayer r:embed="rId4">
+                    <a14:imgEffect>
+                      <a14:saturation sat="93000"/>
+                    </a14:imgEffect>
+                    <a14:imgEffect>
+                      <a14:brightnessContrast bright="40000" contrast="-40000"/>
+                    </a14:imgEffect>
+                  </a14:imgLayer>
+                </a14:imgProps>
+              </a:ext>
+            </a:extLst>
+          </a:blip>
+          <a:stretch>
+            <a:fillRect/>
+          </a:stretch>
+        </p:blipFill>
+        <p:spPr>
+          <a:xfrm>
+            <a:off x="10678213" y="-93312"/>
+            <a:ext cx="1229744" cy="1535086"/>
+          </a:xfrm>
+          <a:prstGeom prst="rect">
+            <a:avLst/>
+          </a:prstGeom>
+          <a:ln w="12700">
+            <a:miter lim="400000"/>
+          </a:ln>
+        </p:spPr>
+      </p:pic>
     </p:spTree>
   </p:cSld>
   <p:clrMapOvr>
     <a:masterClrMapping/>
   </p:clrMapOvr>
-  <p:transition xmlns:p14="http://schemas.microsoft.com/office/powerpoint/2010/main" spd="med" advClick="1"/>
+  <p:transition spd="med"/>
+  <p:timing>
+    <p:tnLst>
+      <p:par>
+        <p:cTn id="1" dur="indefinite" restart="never" nodeType="tmRoot"/>
+      </p:par>
+    </p:tnLst>
+  </p:timing>
 </p:sld>
 </file>
 
-<file path=ppt/slides/slide3.xml><?xml version="1.0" encoding="utf-8"?>
-<p:sld xmlns:a="http://schemas.openxmlformats.org/drawingml/2006/main" xmlns:r="http://schemas.openxmlformats.org/officeDocument/2006/relationships" xmlns:p="http://schemas.openxmlformats.org/presentationml/2006/main" xmlns:m="http://schemas.openxmlformats.org/officeDocument/2006/math" xmlns:a14="http://schemas.microsoft.com/office/drawing/2010/main" showMasterSp="1" showMasterPhAnim="1">
+<file path=ppt/slides/slide4.xml><?xml version="1.0" encoding="utf-8"?>
+<p:sld xmlns:a="http://schemas.openxmlformats.org/drawingml/2006/main" xmlns:r="http://schemas.openxmlformats.org/officeDocument/2006/relationships" xmlns:p="http://schemas.openxmlformats.org/presentationml/2006/main">
   <p:cSld>
     <p:spTree>
       <p:nvGrpSpPr>
@@ -3928,7 +4328,9 @@
       <p:sp>
         <p:nvSpPr>
           <p:cNvPr id="127" name="Slide Number Placeholder 2"/>
-          <p:cNvSpPr txBox="1"/>
+          <p:cNvSpPr txBox="1">
+            <a:spLocks noGrp="1"/>
+          </p:cNvSpPr>
           <p:nvPr>
             <p:ph type="sldNum" sz="quarter" idx="4294967295"/>
           </p:nvPr>
@@ -3943,7 +4345,7 @@
           </a:prstGeom>
           <a:extLst>
             <a:ext uri="{C572A759-6A51-4108-AA02-DFA0A04FC94B}">
-              <ma14:wrappingTextBoxFlag xmlns:ma14="http://schemas.microsoft.com/office/mac/drawingml/2011/main" val="1"/>
+              <ma14:wrappingTextBoxFlag xmlns:ma14="http://schemas.microsoft.com/office/mac/drawingml/2011/main" xmlns:a14="http://schemas.microsoft.com/office/drawing/2010/main" xmlns:m="http://schemas.openxmlformats.org/officeDocument/2006/math" xmlns="" val="1"/>
             </a:ext>
           </a:extLst>
         </p:spPr>
@@ -3951,15 +4353,19 @@
           <a:bodyPr/>
           <a:lstStyle/>
           <a:p>
-            <a:pPr/>
-            <a:fld id="{86CB4B4D-7CA3-9044-876B-883B54F8677D}" type="slidenum"/>
+            <a:fld id="{86CB4B4D-7CA3-9044-876B-883B54F8677D}" type="slidenum">
+              <a:t>4</a:t>
+            </a:fld>
+            <a:endParaRPr/>
           </a:p>
         </p:txBody>
       </p:sp>
       <p:sp>
         <p:nvSpPr>
           <p:cNvPr id="128" name="Title 1"/>
-          <p:cNvSpPr txBox="1"/>
+          <p:cNvSpPr txBox="1">
+            <a:spLocks noGrp="1"/>
+          </p:cNvSpPr>
           <p:nvPr>
             <p:ph type="title"/>
           </p:nvPr>
@@ -3983,8 +4389,8 @@
             </a:lvl1pPr>
           </a:lstStyle>
           <a:p>
-            <a:pPr/>
-            <a:r>
+            <a:r>
+              <a:rPr dirty="0"/>
               <a:t>Project - Outcomes</a:t>
             </a:r>
           </a:p>
@@ -4039,7 +4445,7 @@
             <a:lstStyle/>
             <a:p>
               <a:pPr>
-                <a:defRPr b="1" sz="1500">
+                <a:defRPr sz="1500" b="1">
                   <a:solidFill>
                     <a:srgbClr val="FFFFFF"/>
                   </a:solidFill>
@@ -4049,6 +4455,7 @@
                   <a:sym typeface="Helvetica"/>
                 </a:defRPr>
               </a:pPr>
+              <a:endParaRPr/>
             </a:p>
           </p:txBody>
         </p:sp>
@@ -4112,6 +4519,7 @@
                     <a:sym typeface="Univers Next Arabic"/>
                   </a:defRPr>
                 </a:pPr>
+                <a:endParaRPr/>
               </a:p>
             </p:txBody>
           </p:sp>
@@ -4137,7 +4545,7 @@
               <a:effectLst/>
               <a:extLst>
                 <a:ext uri="{C572A759-6A51-4108-AA02-DFA0A04FC94B}">
-                  <ma14:wrappingTextBoxFlag xmlns:ma14="http://schemas.microsoft.com/office/mac/drawingml/2011/main" val="1"/>
+                  <ma14:wrappingTextBoxFlag xmlns:ma14="http://schemas.microsoft.com/office/mac/drawingml/2011/main" xmlns:a14="http://schemas.microsoft.com/office/drawing/2010/main" xmlns:m="http://schemas.openxmlformats.org/officeDocument/2006/math" xmlns="" val="1"/>
                 </a:ext>
               </a:extLst>
             </p:spPr>
@@ -4306,7 +4714,7 @@
           </a:ln>
           <a:extLst>
             <a:ext uri="{C572A759-6A51-4108-AA02-DFA0A04FC94B}">
-              <ma14:wrappingTextBoxFlag xmlns:ma14="http://schemas.microsoft.com/office/mac/drawingml/2011/main" val="1"/>
+              <ma14:wrappingTextBoxFlag xmlns:ma14="http://schemas.microsoft.com/office/mac/drawingml/2011/main" xmlns:a14="http://schemas.microsoft.com/office/drawing/2010/main" xmlns:m="http://schemas.openxmlformats.org/officeDocument/2006/math" xmlns="" val="1"/>
             </a:ext>
           </a:extLst>
         </p:spPr>
@@ -4316,7 +4724,7 @@
           </a:bodyPr>
           <a:lstStyle>
             <a:lvl1pPr algn="r">
-              <a:defRPr b="1" sz="1600">
+              <a:defRPr sz="1600" b="1">
                 <a:solidFill>
                   <a:srgbClr val="FFFFFF"/>
                 </a:solidFill>
@@ -4328,107 +4736,21 @@
             </a:lvl1pPr>
           </a:lstStyle>
           <a:p>
-            <a:pPr/>
             <a:r>
               <a:t>Outcomes:</a:t>
-            </a:r>
-          </a:p>
-        </p:txBody>
-      </p:sp>
-    </p:spTree>
-  </p:cSld>
-  <p:clrMapOvr>
-    <a:masterClrMapping/>
-  </p:clrMapOvr>
-  <p:transition xmlns:p14="http://schemas.microsoft.com/office/powerpoint/2010/main" spd="med" advClick="1"/>
-</p:sld>
-</file>
-
-<file path=ppt/slides/slide4.xml><?xml version="1.0" encoding="utf-8"?>
-<p:sld xmlns:a="http://schemas.openxmlformats.org/drawingml/2006/main" xmlns:r="http://schemas.openxmlformats.org/officeDocument/2006/relationships" xmlns:p="http://schemas.openxmlformats.org/presentationml/2006/main" xmlns:m="http://schemas.openxmlformats.org/officeDocument/2006/math" xmlns:a14="http://schemas.microsoft.com/office/drawing/2010/main" showMasterSp="1" showMasterPhAnim="1">
-  <p:cSld>
-    <p:spTree>
-      <p:nvGrpSpPr>
-        <p:cNvPr id="1" name=""/>
-        <p:cNvGrpSpPr/>
-        <p:nvPr/>
-      </p:nvGrpSpPr>
-      <p:grpSpPr>
-        <a:xfrm>
-          <a:off x="0" y="0"/>
-          <a:ext cx="0" cy="0"/>
-          <a:chOff x="0" y="0"/>
-          <a:chExt cx="0" cy="0"/>
-        </a:xfrm>
-      </p:grpSpPr>
-      <p:sp>
-        <p:nvSpPr>
-          <p:cNvPr id="137" name="Title 1"/>
-          <p:cNvSpPr txBox="1"/>
-          <p:nvPr>
-            <p:ph type="title"/>
-          </p:nvPr>
-        </p:nvSpPr>
-        <p:spPr>
-          <a:xfrm>
-            <a:off x="194412" y="139234"/>
-            <a:ext cx="11147636" cy="1193383"/>
-          </a:xfrm>
-          <a:prstGeom prst="rect">
-            <a:avLst/>
-          </a:prstGeom>
-        </p:spPr>
-        <p:txBody>
-          <a:bodyPr/>
-          <a:lstStyle/>
-          <a:p>
-            <a:pPr/>
-            <a:r>
-              <a:t>Project Pictures </a:t>
             </a:r>
           </a:p>
         </p:txBody>
       </p:sp>
       <p:sp>
         <p:nvSpPr>
-          <p:cNvPr id="138" name="Slide Number Placeholder 2"/>
-          <p:cNvSpPr txBox="1"/>
-          <p:nvPr>
-            <p:ph type="sldNum" sz="quarter" idx="4294967295"/>
-          </p:nvPr>
-        </p:nvSpPr>
-        <p:spPr>
-          <a:xfrm>
-            <a:off x="11490274" y="6095525"/>
-            <a:ext cx="181381" cy="248304"/>
-          </a:xfrm>
-          <a:prstGeom prst="rect">
-            <a:avLst/>
-          </a:prstGeom>
-          <a:extLst>
-            <a:ext uri="{C572A759-6A51-4108-AA02-DFA0A04FC94B}">
-              <ma14:wrappingTextBoxFlag xmlns:ma14="http://schemas.microsoft.com/office/mac/drawingml/2011/main" val="1"/>
-            </a:ext>
-          </a:extLst>
-        </p:spPr>
-        <p:txBody>
-          <a:bodyPr/>
-          <a:lstStyle/>
-          <a:p>
-            <a:pPr/>
-            <a:fld id="{86CB4B4D-7CA3-9044-876B-883B54F8677D}" type="slidenum"/>
-          </a:p>
-        </p:txBody>
-      </p:sp>
-      <p:sp>
-        <p:nvSpPr>
-          <p:cNvPr id="139" name="Rectangle 3"/>
+          <p:cNvPr id="11" name="Rectangle 3"/>
           <p:cNvSpPr txBox="1"/>
           <p:nvPr/>
         </p:nvSpPr>
         <p:spPr>
           <a:xfrm>
-            <a:off x="240131" y="724074"/>
+            <a:off x="379074" y="888741"/>
             <a:ext cx="8694599" cy="332738"/>
           </a:xfrm>
           <a:prstGeom prst="rect">
@@ -4439,7 +4761,7 @@
           </a:ln>
           <a:extLst>
             <a:ext uri="{C572A759-6A51-4108-AA02-DFA0A04FC94B}">
-              <ma14:wrappingTextBoxFlag xmlns:ma14="http://schemas.microsoft.com/office/mac/drawingml/2011/main" val="1"/>
+              <ma14:wrappingTextBoxFlag xmlns:ma14="http://schemas.microsoft.com/office/mac/drawingml/2011/main" xmlns:a14="http://schemas.microsoft.com/office/drawing/2010/main" xmlns:m="http://schemas.openxmlformats.org/officeDocument/2006/math" xmlns="" val="1"/>
             </a:ext>
           </a:extLst>
         </p:spPr>
@@ -4461,10 +4783,124 @@
             </a:lvl1pPr>
           </a:lstStyle>
           <a:p>
-            <a:pPr/>
-            <a:r>
-              <a:t>Team1: Bright Future</a:t>
-            </a:r>
+            <a:r>
+              <a:rPr dirty="0" err="1"/>
+              <a:t>Team:Bug</a:t>
+            </a:r>
+            <a:r>
+              <a:rPr dirty="0"/>
+              <a:t> Hunters</a:t>
+            </a:r>
+          </a:p>
+        </p:txBody>
+      </p:sp>
+      <p:pic>
+        <p:nvPicPr>
+          <p:cNvPr id="12" name="BUG HUNTERS.png" descr="BUG HUNTERS.png"/>
+          <p:cNvPicPr>
+            <a:picLocks noChangeAspect="1"/>
+          </p:cNvPicPr>
+          <p:nvPr/>
+        </p:nvPicPr>
+        <p:blipFill>
+          <a:blip r:embed="rId3">
+            <a:extLst>
+              <a:ext uri="{BEBA8EAE-BF5A-486C-A8C5-ECC9F3942E4B}">
+                <a14:imgProps xmlns:a14="http://schemas.microsoft.com/office/drawing/2010/main">
+                  <a14:imgLayer r:embed="rId4">
+                    <a14:imgEffect>
+                      <a14:saturation sat="93000"/>
+                    </a14:imgEffect>
+                    <a14:imgEffect>
+                      <a14:brightnessContrast bright="40000" contrast="-40000"/>
+                    </a14:imgEffect>
+                  </a14:imgLayer>
+                </a14:imgProps>
+              </a:ext>
+            </a:extLst>
+          </a:blip>
+          <a:stretch>
+            <a:fillRect/>
+          </a:stretch>
+        </p:blipFill>
+        <p:spPr>
+          <a:xfrm>
+            <a:off x="10678213" y="-93312"/>
+            <a:ext cx="1229744" cy="1535086"/>
+          </a:xfrm>
+          <a:prstGeom prst="rect">
+            <a:avLst/>
+          </a:prstGeom>
+          <a:ln w="12700">
+            <a:miter lim="400000"/>
+          </a:ln>
+        </p:spPr>
+      </p:pic>
+    </p:spTree>
+  </p:cSld>
+  <p:clrMapOvr>
+    <a:masterClrMapping/>
+  </p:clrMapOvr>
+  <p:transition spd="med"/>
+  <p:timing>
+    <p:tnLst>
+      <p:par>
+        <p:cTn id="1" dur="indefinite" restart="never" nodeType="tmRoot"/>
+      </p:par>
+    </p:tnLst>
+  </p:timing>
+</p:sld>
+</file>
+
+<file path=ppt/slides/slide5.xml><?xml version="1.0" encoding="utf-8"?>
+<p:sld xmlns:a="http://schemas.openxmlformats.org/drawingml/2006/main" xmlns:r="http://schemas.openxmlformats.org/officeDocument/2006/relationships" xmlns:p="http://schemas.openxmlformats.org/presentationml/2006/main">
+  <p:cSld>
+    <p:spTree>
+      <p:nvGrpSpPr>
+        <p:cNvPr id="1" name=""/>
+        <p:cNvGrpSpPr/>
+        <p:nvPr/>
+      </p:nvGrpSpPr>
+      <p:grpSpPr>
+        <a:xfrm>
+          <a:off x="0" y="0"/>
+          <a:ext cx="0" cy="0"/>
+          <a:chOff x="0" y="0"/>
+          <a:chExt cx="0" cy="0"/>
+        </a:xfrm>
+      </p:grpSpPr>
+      <p:sp>
+        <p:nvSpPr>
+          <p:cNvPr id="138" name="Slide Number Placeholder 2"/>
+          <p:cNvSpPr txBox="1">
+            <a:spLocks noGrp="1"/>
+          </p:cNvSpPr>
+          <p:nvPr>
+            <p:ph type="sldNum" sz="quarter" idx="4294967295"/>
+          </p:nvPr>
+        </p:nvSpPr>
+        <p:spPr>
+          <a:xfrm>
+            <a:off x="11490274" y="6095525"/>
+            <a:ext cx="181381" cy="248304"/>
+          </a:xfrm>
+          <a:prstGeom prst="rect">
+            <a:avLst/>
+          </a:prstGeom>
+          <a:extLst>
+            <a:ext uri="{C572A759-6A51-4108-AA02-DFA0A04FC94B}">
+              <ma14:wrappingTextBoxFlag xmlns:ma14="http://schemas.microsoft.com/office/mac/drawingml/2011/main" xmlns:a14="http://schemas.microsoft.com/office/drawing/2010/main" xmlns:m="http://schemas.openxmlformats.org/officeDocument/2006/math" xmlns="" val="1"/>
+            </a:ext>
+          </a:extLst>
+        </p:spPr>
+        <p:txBody>
+          <a:bodyPr/>
+          <a:lstStyle/>
+          <a:p>
+            <a:fld id="{86CB4B4D-7CA3-9044-876B-883B54F8677D}" type="slidenum">
+              <a:t>5</a:t>
+            </a:fld>
+            <a:endParaRPr/>
           </a:p>
         </p:txBody>
       </p:sp>
@@ -4500,20 +4936,400 @@
                 </a:solidFill>
               </a:defRPr>
             </a:pPr>
+            <a:endParaRPr/>
           </a:p>
         </p:txBody>
       </p:sp>
+      <p:sp>
+        <p:nvSpPr>
+          <p:cNvPr id="6" name="Title 1"/>
+          <p:cNvSpPr txBox="1">
+            <a:spLocks/>
+          </p:cNvSpPr>
+          <p:nvPr/>
+        </p:nvSpPr>
+        <p:spPr>
+          <a:xfrm>
+            <a:off x="379074" y="292050"/>
+            <a:ext cx="11147636" cy="1193383"/>
+          </a:xfrm>
+          <a:prstGeom prst="rect">
+            <a:avLst/>
+          </a:prstGeom>
+          <a:ln w="12700">
+            <a:miter lim="400000"/>
+          </a:ln>
+          <a:extLst>
+            <a:ext uri="{C572A759-6A51-4108-AA02-DFA0A04FC94B}">
+              <ma14:wrappingTextBoxFlag xmlns:ma14="http://schemas.microsoft.com/office/mac/drawingml/2011/main" xmlns:a14="http://schemas.microsoft.com/office/drawing/2010/main" xmlns:m="http://schemas.openxmlformats.org/officeDocument/2006/math" xmlns="" val="1"/>
+            </a:ext>
+          </a:extLst>
+        </p:spPr>
+        <p:txBody>
+          <a:bodyPr lIns="45718" tIns="45718" rIns="45718" bIns="45718" anchor="t">
+            <a:normAutofit/>
+          </a:bodyPr>
+          <a:lstStyle>
+            <a:lvl1pPr marL="0" marR="0" indent="0" algn="l" defTabSz="914400" rtl="0" latinLnBrk="0">
+              <a:lnSpc>
+                <a:spcPct val="100000"/>
+              </a:lnSpc>
+              <a:spcBef>
+                <a:spcPts val="0"/>
+              </a:spcBef>
+              <a:spcAft>
+                <a:spcPts val="0"/>
+              </a:spcAft>
+              <a:buClrTx/>
+              <a:buSzTx/>
+              <a:buFontTx/>
+              <a:buNone/>
+              <a:tabLst/>
+              <a:defRPr sz="3600" b="0" i="0" u="none" strike="noStrike" cap="none" spc="0" baseline="0">
+                <a:solidFill>
+                  <a:srgbClr val="000000"/>
+                </a:solidFill>
+                <a:uFillTx/>
+                <a:latin typeface="Univers Next Arabic"/>
+                <a:ea typeface="Univers Next Arabic"/>
+                <a:cs typeface="Univers Next Arabic"/>
+                <a:sym typeface="Univers Next Arabic"/>
+              </a:defRPr>
+            </a:lvl1pPr>
+            <a:lvl2pPr marL="0" marR="0" indent="0" algn="l" defTabSz="914400" rtl="0" latinLnBrk="0">
+              <a:lnSpc>
+                <a:spcPct val="90000"/>
+              </a:lnSpc>
+              <a:spcBef>
+                <a:spcPts val="0"/>
+              </a:spcBef>
+              <a:spcAft>
+                <a:spcPts val="0"/>
+              </a:spcAft>
+              <a:buClrTx/>
+              <a:buSzTx/>
+              <a:buFontTx/>
+              <a:buNone/>
+              <a:tabLst/>
+              <a:defRPr sz="4400" b="0" i="0" u="none" strike="noStrike" cap="none" spc="0" baseline="0">
+                <a:solidFill>
+                  <a:srgbClr val="000000"/>
+                </a:solidFill>
+                <a:uFillTx/>
+                <a:latin typeface="Calibri Light"/>
+                <a:ea typeface="Calibri Light"/>
+                <a:cs typeface="Calibri Light"/>
+                <a:sym typeface="Calibri Light"/>
+              </a:defRPr>
+            </a:lvl2pPr>
+            <a:lvl3pPr marL="0" marR="0" indent="0" algn="l" defTabSz="914400" rtl="0" latinLnBrk="0">
+              <a:lnSpc>
+                <a:spcPct val="90000"/>
+              </a:lnSpc>
+              <a:spcBef>
+                <a:spcPts val="0"/>
+              </a:spcBef>
+              <a:spcAft>
+                <a:spcPts val="0"/>
+              </a:spcAft>
+              <a:buClrTx/>
+              <a:buSzTx/>
+              <a:buFontTx/>
+              <a:buNone/>
+              <a:tabLst/>
+              <a:defRPr sz="4400" b="0" i="0" u="none" strike="noStrike" cap="none" spc="0" baseline="0">
+                <a:solidFill>
+                  <a:srgbClr val="000000"/>
+                </a:solidFill>
+                <a:uFillTx/>
+                <a:latin typeface="Calibri Light"/>
+                <a:ea typeface="Calibri Light"/>
+                <a:cs typeface="Calibri Light"/>
+                <a:sym typeface="Calibri Light"/>
+              </a:defRPr>
+            </a:lvl3pPr>
+            <a:lvl4pPr marL="0" marR="0" indent="0" algn="l" defTabSz="914400" rtl="0" latinLnBrk="0">
+              <a:lnSpc>
+                <a:spcPct val="90000"/>
+              </a:lnSpc>
+              <a:spcBef>
+                <a:spcPts val="0"/>
+              </a:spcBef>
+              <a:spcAft>
+                <a:spcPts val="0"/>
+              </a:spcAft>
+              <a:buClrTx/>
+              <a:buSzTx/>
+              <a:buFontTx/>
+              <a:buNone/>
+              <a:tabLst/>
+              <a:defRPr sz="4400" b="0" i="0" u="none" strike="noStrike" cap="none" spc="0" baseline="0">
+                <a:solidFill>
+                  <a:srgbClr val="000000"/>
+                </a:solidFill>
+                <a:uFillTx/>
+                <a:latin typeface="Calibri Light"/>
+                <a:ea typeface="Calibri Light"/>
+                <a:cs typeface="Calibri Light"/>
+                <a:sym typeface="Calibri Light"/>
+              </a:defRPr>
+            </a:lvl4pPr>
+            <a:lvl5pPr marL="0" marR="0" indent="0" algn="l" defTabSz="914400" rtl="0" latinLnBrk="0">
+              <a:lnSpc>
+                <a:spcPct val="90000"/>
+              </a:lnSpc>
+              <a:spcBef>
+                <a:spcPts val="0"/>
+              </a:spcBef>
+              <a:spcAft>
+                <a:spcPts val="0"/>
+              </a:spcAft>
+              <a:buClrTx/>
+              <a:buSzTx/>
+              <a:buFontTx/>
+              <a:buNone/>
+              <a:tabLst/>
+              <a:defRPr sz="4400" b="0" i="0" u="none" strike="noStrike" cap="none" spc="0" baseline="0">
+                <a:solidFill>
+                  <a:srgbClr val="000000"/>
+                </a:solidFill>
+                <a:uFillTx/>
+                <a:latin typeface="Calibri Light"/>
+                <a:ea typeface="Calibri Light"/>
+                <a:cs typeface="Calibri Light"/>
+                <a:sym typeface="Calibri Light"/>
+              </a:defRPr>
+            </a:lvl5pPr>
+            <a:lvl6pPr marL="0" marR="0" indent="0" algn="l" defTabSz="914400" rtl="0" latinLnBrk="0">
+              <a:lnSpc>
+                <a:spcPct val="90000"/>
+              </a:lnSpc>
+              <a:spcBef>
+                <a:spcPts val="0"/>
+              </a:spcBef>
+              <a:spcAft>
+                <a:spcPts val="0"/>
+              </a:spcAft>
+              <a:buClrTx/>
+              <a:buSzTx/>
+              <a:buFontTx/>
+              <a:buNone/>
+              <a:tabLst/>
+              <a:defRPr sz="4400" b="0" i="0" u="none" strike="noStrike" cap="none" spc="0" baseline="0">
+                <a:solidFill>
+                  <a:srgbClr val="000000"/>
+                </a:solidFill>
+                <a:uFillTx/>
+                <a:latin typeface="Calibri Light"/>
+                <a:ea typeface="Calibri Light"/>
+                <a:cs typeface="Calibri Light"/>
+                <a:sym typeface="Calibri Light"/>
+              </a:defRPr>
+            </a:lvl6pPr>
+            <a:lvl7pPr marL="0" marR="0" indent="0" algn="l" defTabSz="914400" rtl="0" latinLnBrk="0">
+              <a:lnSpc>
+                <a:spcPct val="90000"/>
+              </a:lnSpc>
+              <a:spcBef>
+                <a:spcPts val="0"/>
+              </a:spcBef>
+              <a:spcAft>
+                <a:spcPts val="0"/>
+              </a:spcAft>
+              <a:buClrTx/>
+              <a:buSzTx/>
+              <a:buFontTx/>
+              <a:buNone/>
+              <a:tabLst/>
+              <a:defRPr sz="4400" b="0" i="0" u="none" strike="noStrike" cap="none" spc="0" baseline="0">
+                <a:solidFill>
+                  <a:srgbClr val="000000"/>
+                </a:solidFill>
+                <a:uFillTx/>
+                <a:latin typeface="Calibri Light"/>
+                <a:ea typeface="Calibri Light"/>
+                <a:cs typeface="Calibri Light"/>
+                <a:sym typeface="Calibri Light"/>
+              </a:defRPr>
+            </a:lvl7pPr>
+            <a:lvl8pPr marL="0" marR="0" indent="0" algn="l" defTabSz="914400" rtl="0" latinLnBrk="0">
+              <a:lnSpc>
+                <a:spcPct val="90000"/>
+              </a:lnSpc>
+              <a:spcBef>
+                <a:spcPts val="0"/>
+              </a:spcBef>
+              <a:spcAft>
+                <a:spcPts val="0"/>
+              </a:spcAft>
+              <a:buClrTx/>
+              <a:buSzTx/>
+              <a:buFontTx/>
+              <a:buNone/>
+              <a:tabLst/>
+              <a:defRPr sz="4400" b="0" i="0" u="none" strike="noStrike" cap="none" spc="0" baseline="0">
+                <a:solidFill>
+                  <a:srgbClr val="000000"/>
+                </a:solidFill>
+                <a:uFillTx/>
+                <a:latin typeface="Calibri Light"/>
+                <a:ea typeface="Calibri Light"/>
+                <a:cs typeface="Calibri Light"/>
+                <a:sym typeface="Calibri Light"/>
+              </a:defRPr>
+            </a:lvl8pPr>
+            <a:lvl9pPr marL="0" marR="0" indent="0" algn="l" defTabSz="914400" rtl="0" latinLnBrk="0">
+              <a:lnSpc>
+                <a:spcPct val="90000"/>
+              </a:lnSpc>
+              <a:spcBef>
+                <a:spcPts val="0"/>
+              </a:spcBef>
+              <a:spcAft>
+                <a:spcPts val="0"/>
+              </a:spcAft>
+              <a:buClrTx/>
+              <a:buSzTx/>
+              <a:buFontTx/>
+              <a:buNone/>
+              <a:tabLst/>
+              <a:defRPr sz="4400" b="0" i="0" u="none" strike="noStrike" cap="none" spc="0" baseline="0">
+                <a:solidFill>
+                  <a:srgbClr val="000000"/>
+                </a:solidFill>
+                <a:uFillTx/>
+                <a:latin typeface="Calibri Light"/>
+                <a:ea typeface="Calibri Light"/>
+                <a:cs typeface="Calibri Light"/>
+                <a:sym typeface="Calibri Light"/>
+              </a:defRPr>
+            </a:lvl9pPr>
+          </a:lstStyle>
+          <a:p>
+            <a:pPr hangingPunct="1"/>
+            <a:r>
+              <a:rPr lang="en-US" dirty="0" smtClean="0"/>
+              <a:t>Project - </a:t>
+            </a:r>
+            <a:r>
+              <a:rPr lang="en-US" dirty="0"/>
+              <a:t>Project Pictures</a:t>
+            </a:r>
+          </a:p>
+        </p:txBody>
+      </p:sp>
+      <p:sp>
+        <p:nvSpPr>
+          <p:cNvPr id="7" name="Rectangle 3"/>
+          <p:cNvSpPr txBox="1"/>
+          <p:nvPr/>
+        </p:nvSpPr>
+        <p:spPr>
+          <a:xfrm>
+            <a:off x="379074" y="888741"/>
+            <a:ext cx="8694599" cy="332738"/>
+          </a:xfrm>
+          <a:prstGeom prst="rect">
+            <a:avLst/>
+          </a:prstGeom>
+          <a:ln w="12700">
+            <a:miter lim="400000"/>
+          </a:ln>
+          <a:extLst>
+            <a:ext uri="{C572A759-6A51-4108-AA02-DFA0A04FC94B}">
+              <ma14:wrappingTextBoxFlag xmlns:ma14="http://schemas.microsoft.com/office/mac/drawingml/2011/main" xmlns:a14="http://schemas.microsoft.com/office/drawing/2010/main" xmlns:m="http://schemas.openxmlformats.org/officeDocument/2006/math" xmlns="" val="1"/>
+            </a:ext>
+          </a:extLst>
+        </p:spPr>
+        <p:txBody>
+          <a:bodyPr lIns="45718" tIns="45718" rIns="45718" bIns="45718">
+            <a:spAutoFit/>
+          </a:bodyPr>
+          <a:lstStyle>
+            <a:lvl1pPr>
+              <a:defRPr sz="1600">
+                <a:solidFill>
+                  <a:srgbClr val="0474EF"/>
+                </a:solidFill>
+                <a:latin typeface="Univers Next Arabic"/>
+                <a:ea typeface="Univers Next Arabic"/>
+                <a:cs typeface="Univers Next Arabic"/>
+                <a:sym typeface="Univers Next Arabic"/>
+              </a:defRPr>
+            </a:lvl1pPr>
+          </a:lstStyle>
+          <a:p>
+            <a:r>
+              <a:rPr dirty="0" err="1"/>
+              <a:t>Team:Bug</a:t>
+            </a:r>
+            <a:r>
+              <a:rPr dirty="0"/>
+              <a:t> Hunters</a:t>
+            </a:r>
+          </a:p>
+        </p:txBody>
+      </p:sp>
+      <p:pic>
+        <p:nvPicPr>
+          <p:cNvPr id="8" name="BUG HUNTERS.png" descr="BUG HUNTERS.png"/>
+          <p:cNvPicPr>
+            <a:picLocks noChangeAspect="1"/>
+          </p:cNvPicPr>
+          <p:nvPr/>
+        </p:nvPicPr>
+        <p:blipFill>
+          <a:blip r:embed="rId2">
+            <a:extLst>
+              <a:ext uri="{BEBA8EAE-BF5A-486C-A8C5-ECC9F3942E4B}">
+                <a14:imgProps xmlns:a14="http://schemas.microsoft.com/office/drawing/2010/main">
+                  <a14:imgLayer r:embed="rId3">
+                    <a14:imgEffect>
+                      <a14:saturation sat="93000"/>
+                    </a14:imgEffect>
+                    <a14:imgEffect>
+                      <a14:brightnessContrast bright="40000" contrast="-40000"/>
+                    </a14:imgEffect>
+                  </a14:imgLayer>
+                </a14:imgProps>
+              </a:ext>
+            </a:extLst>
+          </a:blip>
+          <a:stretch>
+            <a:fillRect/>
+          </a:stretch>
+        </p:blipFill>
+        <p:spPr>
+          <a:xfrm>
+            <a:off x="10678213" y="-93312"/>
+            <a:ext cx="1229744" cy="1535086"/>
+          </a:xfrm>
+          <a:prstGeom prst="rect">
+            <a:avLst/>
+          </a:prstGeom>
+          <a:ln w="12700">
+            <a:miter lim="400000"/>
+          </a:ln>
+        </p:spPr>
+      </p:pic>
     </p:spTree>
   </p:cSld>
   <p:clrMapOvr>
     <a:masterClrMapping/>
   </p:clrMapOvr>
-  <p:transition xmlns:p14="http://schemas.microsoft.com/office/powerpoint/2010/main" spd="med" advClick="1"/>
+  <p:transition spd="med"/>
+  <p:timing>
+    <p:tnLst>
+      <p:par>
+        <p:cTn id="1" dur="indefinite" restart="never" nodeType="tmRoot"/>
+      </p:par>
+    </p:tnLst>
+  </p:timing>
 </p:sld>
 </file>
 
-<file path=ppt/slides/slide5.xml><?xml version="1.0" encoding="utf-8"?>
-<p:sld xmlns:a="http://schemas.openxmlformats.org/drawingml/2006/main" xmlns:r="http://schemas.openxmlformats.org/officeDocument/2006/relationships" xmlns:p="http://schemas.openxmlformats.org/presentationml/2006/main" xmlns:m="http://schemas.openxmlformats.org/officeDocument/2006/math" xmlns:a14="http://schemas.microsoft.com/office/drawing/2010/main" showMasterSp="1" showMasterPhAnim="1">
+<file path=ppt/slides/slide6.xml><?xml version="1.0" encoding="utf-8"?>
+<p:sld xmlns:a="http://schemas.openxmlformats.org/drawingml/2006/main" xmlns:r="http://schemas.openxmlformats.org/officeDocument/2006/relationships" xmlns:p="http://schemas.openxmlformats.org/presentationml/2006/main">
   <p:cSld>
     <p:spTree>
       <p:nvGrpSpPr>
@@ -4532,7 +5348,9 @@
       <p:sp>
         <p:nvSpPr>
           <p:cNvPr id="142" name="Title 1"/>
-          <p:cNvSpPr txBox="1"/>
+          <p:cNvSpPr txBox="1">
+            <a:spLocks noGrp="1"/>
+          </p:cNvSpPr>
           <p:nvPr>
             <p:ph type="title"/>
           </p:nvPr>
@@ -4550,7 +5368,6 @@
           <a:bodyPr/>
           <a:lstStyle/>
           <a:p>
-            <a:pPr/>
             <a:r>
               <a:t>In-Class Pictures</a:t>
             </a:r>
@@ -4560,7 +5377,9 @@
       <p:sp>
         <p:nvSpPr>
           <p:cNvPr id="143" name="Slide Number Placeholder 2"/>
-          <p:cNvSpPr txBox="1"/>
+          <p:cNvSpPr txBox="1">
+            <a:spLocks noGrp="1"/>
+          </p:cNvSpPr>
           <p:nvPr>
             <p:ph type="sldNum" sz="quarter" idx="4294967295"/>
           </p:nvPr>
@@ -4575,7 +5394,7 @@
           </a:prstGeom>
           <a:extLst>
             <a:ext uri="{C572A759-6A51-4108-AA02-DFA0A04FC94B}">
-              <ma14:wrappingTextBoxFlag xmlns:ma14="http://schemas.microsoft.com/office/mac/drawingml/2011/main" val="1"/>
+              <ma14:wrappingTextBoxFlag xmlns:ma14="http://schemas.microsoft.com/office/mac/drawingml/2011/main" xmlns:a14="http://schemas.microsoft.com/office/drawing/2010/main" xmlns:m="http://schemas.openxmlformats.org/officeDocument/2006/math" xmlns="" val="1"/>
             </a:ext>
           </a:extLst>
         </p:spPr>
@@ -4583,8 +5402,10 @@
           <a:bodyPr/>
           <a:lstStyle/>
           <a:p>
-            <a:pPr/>
-            <a:fld id="{86CB4B4D-7CA3-9044-876B-883B54F8677D}" type="slidenum"/>
+            <a:fld id="{86CB4B4D-7CA3-9044-876B-883B54F8677D}" type="slidenum">
+              <a:t>6</a:t>
+            </a:fld>
+            <a:endParaRPr/>
           </a:p>
         </p:txBody>
       </p:sp>
@@ -4620,47 +5441,65 @@
                 </a:solidFill>
               </a:defRPr>
             </a:pPr>
+            <a:endParaRPr/>
           </a:p>
         </p:txBody>
       </p:sp>
       <p:sp>
         <p:nvSpPr>
-          <p:cNvPr id="145" name="Rectangle 5"/>
-          <p:cNvSpPr/>
+          <p:cNvPr id="7" name="Rectangle 3"/>
+          <p:cNvSpPr txBox="1"/>
           <p:nvPr/>
         </p:nvSpPr>
         <p:spPr>
           <a:xfrm>
-            <a:off x="173666" y="6037114"/>
-            <a:ext cx="1233376" cy="691119"/>
+            <a:off x="379074" y="888741"/>
+            <a:ext cx="8694599" cy="332738"/>
           </a:xfrm>
           <a:prstGeom prst="rect">
             <a:avLst/>
           </a:prstGeom>
-          <a:solidFill>
-            <a:srgbClr val="F1F2EA"/>
-          </a:solidFill>
           <a:ln w="12700">
             <a:miter lim="400000"/>
           </a:ln>
+          <a:extLst>
+            <a:ext uri="{C572A759-6A51-4108-AA02-DFA0A04FC94B}">
+              <ma14:wrappingTextBoxFlag xmlns:ma14="http://schemas.microsoft.com/office/mac/drawingml/2011/main" xmlns:a14="http://schemas.microsoft.com/office/drawing/2010/main" xmlns:m="http://schemas.openxmlformats.org/officeDocument/2006/math" xmlns="" val="1"/>
+            </a:ext>
+          </a:extLst>
         </p:spPr>
         <p:txBody>
-          <a:bodyPr lIns="45718" tIns="45718" rIns="45718" bIns="45718" anchor="ctr"/>
-          <a:lstStyle/>
-          <a:p>
-            <a:pPr algn="ctr">
-              <a:defRPr>
+          <a:bodyPr lIns="45718" tIns="45718" rIns="45718" bIns="45718">
+            <a:spAutoFit/>
+          </a:bodyPr>
+          <a:lstStyle>
+            <a:lvl1pPr>
+              <a:defRPr sz="1600">
                 <a:solidFill>
-                  <a:srgbClr val="FFFFFF"/>
+                  <a:srgbClr val="0474EF"/>
                 </a:solidFill>
+                <a:latin typeface="Univers Next Arabic"/>
+                <a:ea typeface="Univers Next Arabic"/>
+                <a:cs typeface="Univers Next Arabic"/>
+                <a:sym typeface="Univers Next Arabic"/>
               </a:defRPr>
-            </a:pPr>
+            </a:lvl1pPr>
+          </a:lstStyle>
+          <a:p>
+            <a:r>
+              <a:rPr dirty="0" err="1"/>
+              <a:t>Team:Bug</a:t>
+            </a:r>
+            <a:r>
+              <a:rPr dirty="0"/>
+              <a:t> Hunters</a:t>
+            </a:r>
           </a:p>
         </p:txBody>
       </p:sp>
       <p:pic>
         <p:nvPicPr>
-          <p:cNvPr id="146" name="Picture 7" descr="Picture 7"/>
+          <p:cNvPr id="8" name="BUG HUNTERS.png" descr="BUG HUNTERS.png"/>
           <p:cNvPicPr>
             <a:picLocks noChangeAspect="1"/>
           </p:cNvPicPr>
@@ -4668,7 +5507,20 @@
         </p:nvPicPr>
         <p:blipFill>
           <a:blip r:embed="rId2">
-            <a:extLst/>
+            <a:extLst>
+              <a:ext uri="{BEBA8EAE-BF5A-486C-A8C5-ECC9F3942E4B}">
+                <a14:imgProps xmlns:a14="http://schemas.microsoft.com/office/drawing/2010/main">
+                  <a14:imgLayer r:embed="rId3">
+                    <a14:imgEffect>
+                      <a14:saturation sat="93000"/>
+                    </a14:imgEffect>
+                    <a14:imgEffect>
+                      <a14:brightnessContrast bright="40000" contrast="-40000"/>
+                    </a14:imgEffect>
+                  </a14:imgLayer>
+                </a14:imgProps>
+              </a:ext>
+            </a:extLst>
           </a:blip>
           <a:stretch>
             <a:fillRect/>
@@ -4676,8 +5528,8 @@
         </p:blipFill>
         <p:spPr>
           <a:xfrm>
-            <a:off x="379601" y="5892184"/>
-            <a:ext cx="1300340" cy="654987"/>
+            <a:off x="10678213" y="-93312"/>
+            <a:ext cx="1229744" cy="1535086"/>
           </a:xfrm>
           <a:prstGeom prst="rect">
             <a:avLst/>
@@ -4692,12 +5544,19 @@
   <p:clrMapOvr>
     <a:masterClrMapping/>
   </p:clrMapOvr>
-  <p:transition xmlns:p14="http://schemas.microsoft.com/office/powerpoint/2010/main" spd="med" advClick="1"/>
+  <p:transition spd="med"/>
+  <p:timing>
+    <p:tnLst>
+      <p:par>
+        <p:cTn id="1" dur="indefinite" restart="never" nodeType="tmRoot"/>
+      </p:par>
+    </p:tnLst>
+  </p:timing>
 </p:sld>
 </file>
 
-<file path=ppt/slides/slide6.xml><?xml version="1.0" encoding="utf-8"?>
-<p:sld xmlns:a="http://schemas.openxmlformats.org/drawingml/2006/main" xmlns:r="http://schemas.openxmlformats.org/officeDocument/2006/relationships" xmlns:p="http://schemas.openxmlformats.org/presentationml/2006/main" xmlns:m="http://schemas.openxmlformats.org/officeDocument/2006/math" xmlns:a14="http://schemas.microsoft.com/office/drawing/2010/main" showMasterSp="1" showMasterPhAnim="1">
+<file path=ppt/slides/slide7.xml><?xml version="1.0" encoding="utf-8"?>
+<p:sld xmlns:a="http://schemas.openxmlformats.org/drawingml/2006/main" xmlns:r="http://schemas.openxmlformats.org/officeDocument/2006/relationships" xmlns:p="http://schemas.openxmlformats.org/presentationml/2006/main">
   <p:cSld>
     <p:spTree>
       <p:nvGrpSpPr>
@@ -4716,7 +5575,9 @@
       <p:sp>
         <p:nvSpPr>
           <p:cNvPr id="148" name="Title 1"/>
-          <p:cNvSpPr txBox="1"/>
+          <p:cNvSpPr txBox="1">
+            <a:spLocks noGrp="1"/>
+          </p:cNvSpPr>
           <p:nvPr>
             <p:ph type="title"/>
           </p:nvPr>
@@ -4734,7 +5595,6 @@
           <a:bodyPr/>
           <a:lstStyle/>
           <a:p>
-            <a:pPr/>
             <a:r>
               <a:t>Assignments</a:t>
             </a:r>
@@ -4744,7 +5604,9 @@
       <p:sp>
         <p:nvSpPr>
           <p:cNvPr id="149" name="Slide Number Placeholder 2"/>
-          <p:cNvSpPr txBox="1"/>
+          <p:cNvSpPr txBox="1">
+            <a:spLocks noGrp="1"/>
+          </p:cNvSpPr>
           <p:nvPr>
             <p:ph type="sldNum" sz="quarter" idx="4294967295"/>
           </p:nvPr>
@@ -4759,7 +5621,7 @@
           </a:prstGeom>
           <a:extLst>
             <a:ext uri="{C572A759-6A51-4108-AA02-DFA0A04FC94B}">
-              <ma14:wrappingTextBoxFlag xmlns:ma14="http://schemas.microsoft.com/office/mac/drawingml/2011/main" val="1"/>
+              <ma14:wrappingTextBoxFlag xmlns:ma14="http://schemas.microsoft.com/office/mac/drawingml/2011/main" xmlns:a14="http://schemas.microsoft.com/office/drawing/2010/main" xmlns:m="http://schemas.openxmlformats.org/officeDocument/2006/math" xmlns="" val="1"/>
             </a:ext>
           </a:extLst>
         </p:spPr>
@@ -4767,8 +5629,10 @@
           <a:bodyPr/>
           <a:lstStyle/>
           <a:p>
-            <a:pPr/>
-            <a:fld id="{86CB4B4D-7CA3-9044-876B-883B54F8677D}" type="slidenum"/>
+            <a:fld id="{86CB4B4D-7CA3-9044-876B-883B54F8677D}" type="slidenum">
+              <a:t>7</a:t>
+            </a:fld>
+            <a:endParaRPr/>
           </a:p>
         </p:txBody>
       </p:sp>
@@ -4804,47 +5668,65 @@
                 </a:solidFill>
               </a:defRPr>
             </a:pPr>
+            <a:endParaRPr/>
           </a:p>
         </p:txBody>
       </p:sp>
       <p:sp>
         <p:nvSpPr>
-          <p:cNvPr id="151" name="Rectangle 5"/>
-          <p:cNvSpPr/>
+          <p:cNvPr id="7" name="Rectangle 3"/>
+          <p:cNvSpPr txBox="1"/>
           <p:nvPr/>
         </p:nvSpPr>
         <p:spPr>
           <a:xfrm>
-            <a:off x="173666" y="6037114"/>
-            <a:ext cx="1233376" cy="691119"/>
+            <a:off x="379074" y="888741"/>
+            <a:ext cx="8694599" cy="332738"/>
           </a:xfrm>
           <a:prstGeom prst="rect">
             <a:avLst/>
           </a:prstGeom>
-          <a:solidFill>
-            <a:srgbClr val="F1F2EA"/>
-          </a:solidFill>
           <a:ln w="12700">
             <a:miter lim="400000"/>
           </a:ln>
+          <a:extLst>
+            <a:ext uri="{C572A759-6A51-4108-AA02-DFA0A04FC94B}">
+              <ma14:wrappingTextBoxFlag xmlns:ma14="http://schemas.microsoft.com/office/mac/drawingml/2011/main" xmlns:a14="http://schemas.microsoft.com/office/drawing/2010/main" xmlns:m="http://schemas.openxmlformats.org/officeDocument/2006/math" xmlns="" val="1"/>
+            </a:ext>
+          </a:extLst>
         </p:spPr>
         <p:txBody>
-          <a:bodyPr lIns="45718" tIns="45718" rIns="45718" bIns="45718" anchor="ctr"/>
-          <a:lstStyle/>
-          <a:p>
-            <a:pPr algn="ctr">
-              <a:defRPr>
+          <a:bodyPr lIns="45718" tIns="45718" rIns="45718" bIns="45718">
+            <a:spAutoFit/>
+          </a:bodyPr>
+          <a:lstStyle>
+            <a:lvl1pPr>
+              <a:defRPr sz="1600">
                 <a:solidFill>
-                  <a:srgbClr val="FFFFFF"/>
+                  <a:srgbClr val="0474EF"/>
                 </a:solidFill>
+                <a:latin typeface="Univers Next Arabic"/>
+                <a:ea typeface="Univers Next Arabic"/>
+                <a:cs typeface="Univers Next Arabic"/>
+                <a:sym typeface="Univers Next Arabic"/>
               </a:defRPr>
-            </a:pPr>
+            </a:lvl1pPr>
+          </a:lstStyle>
+          <a:p>
+            <a:r>
+              <a:rPr dirty="0" err="1"/>
+              <a:t>Team:Bug</a:t>
+            </a:r>
+            <a:r>
+              <a:rPr dirty="0"/>
+              <a:t> Hunters</a:t>
+            </a:r>
           </a:p>
         </p:txBody>
       </p:sp>
       <p:pic>
         <p:nvPicPr>
-          <p:cNvPr id="152" name="Picture 7" descr="Picture 7"/>
+          <p:cNvPr id="8" name="BUG HUNTERS.png" descr="BUG HUNTERS.png"/>
           <p:cNvPicPr>
             <a:picLocks noChangeAspect="1"/>
           </p:cNvPicPr>
@@ -4852,7 +5734,20 @@
         </p:nvPicPr>
         <p:blipFill>
           <a:blip r:embed="rId2">
-            <a:extLst/>
+            <a:extLst>
+              <a:ext uri="{BEBA8EAE-BF5A-486C-A8C5-ECC9F3942E4B}">
+                <a14:imgProps xmlns:a14="http://schemas.microsoft.com/office/drawing/2010/main">
+                  <a14:imgLayer r:embed="rId3">
+                    <a14:imgEffect>
+                      <a14:saturation sat="93000"/>
+                    </a14:imgEffect>
+                    <a14:imgEffect>
+                      <a14:brightnessContrast bright="40000" contrast="-40000"/>
+                    </a14:imgEffect>
+                  </a14:imgLayer>
+                </a14:imgProps>
+              </a:ext>
+            </a:extLst>
           </a:blip>
           <a:stretch>
             <a:fillRect/>
@@ -4860,8 +5755,8 @@
         </p:blipFill>
         <p:spPr>
           <a:xfrm>
-            <a:off x="379601" y="5892184"/>
-            <a:ext cx="1300340" cy="654987"/>
+            <a:off x="10678213" y="-93312"/>
+            <a:ext cx="1229744" cy="1535086"/>
           </a:xfrm>
           <a:prstGeom prst="rect">
             <a:avLst/>
@@ -4876,12 +5771,19 @@
   <p:clrMapOvr>
     <a:masterClrMapping/>
   </p:clrMapOvr>
-  <p:transition xmlns:p14="http://schemas.microsoft.com/office/powerpoint/2010/main" spd="med" advClick="1"/>
+  <p:transition spd="med"/>
+  <p:timing>
+    <p:tnLst>
+      <p:par>
+        <p:cTn id="1" dur="indefinite" restart="never" nodeType="tmRoot"/>
+      </p:par>
+    </p:tnLst>
+  </p:timing>
 </p:sld>
 </file>
 
 <file path=ppt/theme/theme1.xml><?xml version="1.0" encoding="utf-8"?>
-<a:theme xmlns:a="http://schemas.openxmlformats.org/drawingml/2006/main" xmlns:r="http://schemas.openxmlformats.org/officeDocument/2006/relationships" name="Office Theme">
+<a:theme xmlns:a="http://schemas.openxmlformats.org/drawingml/2006/main" name="Office Theme">
   <a:themeElements>
     <a:clrScheme name="Office Theme">
       <a:dk1>
@@ -5083,7 +5985,7 @@
         <a:effectLst/>
         <a:sp3d/>
       </a:spPr>
-      <a:bodyPr rot="0" spcFirstLastPara="1" vertOverflow="overflow" horzOverflow="overflow" vert="horz" wrap="square" lIns="45718" tIns="45718" rIns="45718" bIns="45718" numCol="1" spcCol="38100" rtlCol="0" anchor="ctr" upright="0">
+      <a:bodyPr rot="0" spcFirstLastPara="1" vertOverflow="overflow" horzOverflow="overflow" vert="horz" wrap="square" lIns="45718" tIns="45718" rIns="45718" bIns="45718" numCol="1" spcCol="38100" rtlCol="0" anchor="ctr">
         <a:spAutoFit/>
       </a:bodyPr>
       <a:lstStyle>
@@ -5102,7 +6004,7 @@
           <a:buFontTx/>
           <a:buNone/>
           <a:tabLst/>
-          <a:defRPr b="0" baseline="0" cap="none" i="0" spc="0" strike="noStrike" sz="1800" u="none" kumimoji="0" normalizeH="0">
+          <a:defRPr kumimoji="0" sz="1800" b="0" i="0" u="none" strike="noStrike" cap="none" spc="0" normalizeH="0" baseline="0">
             <a:ln>
               <a:noFill/>
             </a:ln>
@@ -5132,7 +6034,7 @@
           <a:buFontTx/>
           <a:buNone/>
           <a:tabLst/>
-          <a:defRPr b="0" baseline="0" cap="none" i="0" spc="0" strike="noStrike" sz="1800" u="none" kumimoji="0" normalizeH="0">
+          <a:defRPr kumimoji="0" sz="1800" b="0" i="0" u="none" strike="noStrike" cap="none" spc="0" normalizeH="0" baseline="0">
             <a:ln>
               <a:noFill/>
             </a:ln>
@@ -5158,7 +6060,7 @@
           <a:buFontTx/>
           <a:buNone/>
           <a:tabLst/>
-          <a:defRPr b="0" baseline="0" cap="none" i="0" spc="0" strike="noStrike" sz="1800" u="none" kumimoji="0" normalizeH="0">
+          <a:defRPr kumimoji="0" sz="1800" b="0" i="0" u="none" strike="noStrike" cap="none" spc="0" normalizeH="0" baseline="0">
             <a:ln>
               <a:noFill/>
             </a:ln>
@@ -5184,7 +6086,7 @@
           <a:buFontTx/>
           <a:buNone/>
           <a:tabLst/>
-          <a:defRPr b="0" baseline="0" cap="none" i="0" spc="0" strike="noStrike" sz="1800" u="none" kumimoji="0" normalizeH="0">
+          <a:defRPr kumimoji="0" sz="1800" b="0" i="0" u="none" strike="noStrike" cap="none" spc="0" normalizeH="0" baseline="0">
             <a:ln>
               <a:noFill/>
             </a:ln>
@@ -5210,7 +6112,7 @@
           <a:buFontTx/>
           <a:buNone/>
           <a:tabLst/>
-          <a:defRPr b="0" baseline="0" cap="none" i="0" spc="0" strike="noStrike" sz="1800" u="none" kumimoji="0" normalizeH="0">
+          <a:defRPr kumimoji="0" sz="1800" b="0" i="0" u="none" strike="noStrike" cap="none" spc="0" normalizeH="0" baseline="0">
             <a:ln>
               <a:noFill/>
             </a:ln>
@@ -5236,7 +6138,7 @@
           <a:buFontTx/>
           <a:buNone/>
           <a:tabLst/>
-          <a:defRPr b="0" baseline="0" cap="none" i="0" spc="0" strike="noStrike" sz="1800" u="none" kumimoji="0" normalizeH="0">
+          <a:defRPr kumimoji="0" sz="1800" b="0" i="0" u="none" strike="noStrike" cap="none" spc="0" normalizeH="0" baseline="0">
             <a:ln>
               <a:noFill/>
             </a:ln>
@@ -5262,7 +6164,7 @@
           <a:buFontTx/>
           <a:buNone/>
           <a:tabLst/>
-          <a:defRPr b="0" baseline="0" cap="none" i="0" spc="0" strike="noStrike" sz="1800" u="none" kumimoji="0" normalizeH="0">
+          <a:defRPr kumimoji="0" sz="1800" b="0" i="0" u="none" strike="noStrike" cap="none" spc="0" normalizeH="0" baseline="0">
             <a:ln>
               <a:noFill/>
             </a:ln>
@@ -5288,7 +6190,7 @@
           <a:buFontTx/>
           <a:buNone/>
           <a:tabLst/>
-          <a:defRPr b="0" baseline="0" cap="none" i="0" spc="0" strike="noStrike" sz="1800" u="none" kumimoji="0" normalizeH="0">
+          <a:defRPr kumimoji="0" sz="1800" b="0" i="0" u="none" strike="noStrike" cap="none" spc="0" normalizeH="0" baseline="0">
             <a:ln>
               <a:noFill/>
             </a:ln>
@@ -5314,7 +6216,7 @@
           <a:buFontTx/>
           <a:buNone/>
           <a:tabLst/>
-          <a:defRPr b="0" baseline="0" cap="none" i="0" spc="0" strike="noStrike" sz="1800" u="none" kumimoji="0" normalizeH="0">
+          <a:defRPr kumimoji="0" sz="1800" b="0" i="0" u="none" strike="noStrike" cap="none" spc="0" normalizeH="0" baseline="0">
             <a:ln>
               <a:noFill/>
             </a:ln>
@@ -5340,7 +6242,7 @@
           <a:buFontTx/>
           <a:buNone/>
           <a:tabLst/>
-          <a:defRPr b="0" baseline="0" cap="none" i="0" spc="0" strike="noStrike" sz="1800" u="none" kumimoji="0" normalizeH="0">
+          <a:defRPr kumimoji="0" sz="1800" b="0" i="0" u="none" strike="noStrike" cap="none" spc="0" normalizeH="0" baseline="0">
             <a:ln>
               <a:noFill/>
             </a:ln>
@@ -5353,9 +6255,15 @@
         </a:lvl9pPr>
       </a:lstStyle>
       <a:style>
-        <a:lnRef idx="0"/>
-        <a:fillRef idx="0"/>
-        <a:effectRef idx="0"/>
+        <a:lnRef idx="0">
+          <a:scrgbClr r="0" g="0" b="0"/>
+        </a:lnRef>
+        <a:fillRef idx="0">
+          <a:scrgbClr r="0" g="0" b="0"/>
+        </a:fillRef>
+        <a:effectRef idx="0">
+          <a:scrgbClr r="0" g="0" b="0"/>
+        </a:effectRef>
         <a:fontRef idx="none"/>
       </a:style>
     </a:spDef>
@@ -5372,7 +6280,7 @@
         <a:effectLst/>
         <a:sp3d/>
       </a:spPr>
-      <a:bodyPr rot="0" spcFirstLastPara="1" vertOverflow="overflow" horzOverflow="overflow" vert="horz" wrap="square" lIns="91439" tIns="45719" rIns="91439" bIns="45719" numCol="1" spcCol="38100" rtlCol="0" anchor="t" upright="0">
+      <a:bodyPr rot="0" spcFirstLastPara="1" vertOverflow="overflow" horzOverflow="overflow" vert="horz" wrap="square" lIns="91439" tIns="45719" rIns="91439" bIns="45719" numCol="1" spcCol="38100" rtlCol="0" anchor="t">
         <a:noAutofit/>
       </a:bodyPr>
       <a:lstStyle>
@@ -5391,7 +6299,7 @@
           <a:buFontTx/>
           <a:buNone/>
           <a:tabLst/>
-          <a:defRPr b="0" baseline="0" cap="none" i="0" spc="0" strike="noStrike" sz="1800" u="none" kumimoji="0" normalizeH="0">
+          <a:defRPr kumimoji="0" sz="1800" b="0" i="0" u="none" strike="noStrike" cap="none" spc="0" normalizeH="0" baseline="0">
             <a:ln>
               <a:noFill/>
             </a:ln>
@@ -5417,7 +6325,7 @@
           <a:buFontTx/>
           <a:buNone/>
           <a:tabLst/>
-          <a:defRPr b="0" baseline="0" cap="none" i="0" spc="0" strike="noStrike" sz="1800" u="none" kumimoji="0" normalizeH="0">
+          <a:defRPr kumimoji="0" sz="1800" b="0" i="0" u="none" strike="noStrike" cap="none" spc="0" normalizeH="0" baseline="0">
             <a:ln>
               <a:noFill/>
             </a:ln>
@@ -5443,7 +6351,7 @@
           <a:buFontTx/>
           <a:buNone/>
           <a:tabLst/>
-          <a:defRPr b="0" baseline="0" cap="none" i="0" spc="0" strike="noStrike" sz="1800" u="none" kumimoji="0" normalizeH="0">
+          <a:defRPr kumimoji="0" sz="1800" b="0" i="0" u="none" strike="noStrike" cap="none" spc="0" normalizeH="0" baseline="0">
             <a:ln>
               <a:noFill/>
             </a:ln>
@@ -5469,7 +6377,7 @@
           <a:buFontTx/>
           <a:buNone/>
           <a:tabLst/>
-          <a:defRPr b="0" baseline="0" cap="none" i="0" spc="0" strike="noStrike" sz="1800" u="none" kumimoji="0" normalizeH="0">
+          <a:defRPr kumimoji="0" sz="1800" b="0" i="0" u="none" strike="noStrike" cap="none" spc="0" normalizeH="0" baseline="0">
             <a:ln>
               <a:noFill/>
             </a:ln>
@@ -5495,7 +6403,7 @@
           <a:buFontTx/>
           <a:buNone/>
           <a:tabLst/>
-          <a:defRPr b="0" baseline="0" cap="none" i="0" spc="0" strike="noStrike" sz="1800" u="none" kumimoji="0" normalizeH="0">
+          <a:defRPr kumimoji="0" sz="1800" b="0" i="0" u="none" strike="noStrike" cap="none" spc="0" normalizeH="0" baseline="0">
             <a:ln>
               <a:noFill/>
             </a:ln>
@@ -5521,7 +6429,7 @@
           <a:buFontTx/>
           <a:buNone/>
           <a:tabLst/>
-          <a:defRPr b="0" baseline="0" cap="none" i="0" spc="0" strike="noStrike" sz="1800" u="none" kumimoji="0" normalizeH="0">
+          <a:defRPr kumimoji="0" sz="1800" b="0" i="0" u="none" strike="noStrike" cap="none" spc="0" normalizeH="0" baseline="0">
             <a:ln>
               <a:noFill/>
             </a:ln>
@@ -5547,7 +6455,7 @@
           <a:buFontTx/>
           <a:buNone/>
           <a:tabLst/>
-          <a:defRPr b="0" baseline="0" cap="none" i="0" spc="0" strike="noStrike" sz="1800" u="none" kumimoji="0" normalizeH="0">
+          <a:defRPr kumimoji="0" sz="1800" b="0" i="0" u="none" strike="noStrike" cap="none" spc="0" normalizeH="0" baseline="0">
             <a:ln>
               <a:noFill/>
             </a:ln>
@@ -5573,7 +6481,7 @@
           <a:buFontTx/>
           <a:buNone/>
           <a:tabLst/>
-          <a:defRPr b="0" baseline="0" cap="none" i="0" spc="0" strike="noStrike" sz="1800" u="none" kumimoji="0" normalizeH="0">
+          <a:defRPr kumimoji="0" sz="1800" b="0" i="0" u="none" strike="noStrike" cap="none" spc="0" normalizeH="0" baseline="0">
             <a:ln>
               <a:noFill/>
             </a:ln>
@@ -5599,7 +6507,7 @@
           <a:buFontTx/>
           <a:buNone/>
           <a:tabLst/>
-          <a:defRPr b="0" baseline="0" cap="none" i="0" spc="0" strike="noStrike" sz="1800" u="none" kumimoji="0" normalizeH="0">
+          <a:defRPr kumimoji="0" sz="1800" b="0" i="0" u="none" strike="noStrike" cap="none" spc="0" normalizeH="0" baseline="0">
             <a:ln>
               <a:noFill/>
             </a:ln>
@@ -5625,7 +6533,7 @@
           <a:buFontTx/>
           <a:buNone/>
           <a:tabLst/>
-          <a:defRPr b="0" baseline="0" cap="none" i="0" spc="0" strike="noStrike" sz="1800" u="none" kumimoji="0" normalizeH="0">
+          <a:defRPr kumimoji="0" sz="1800" b="0" i="0" u="none" strike="noStrike" cap="none" spc="0" normalizeH="0" baseline="0">
             <a:ln>
               <a:noFill/>
             </a:ln>
@@ -5638,9 +6546,15 @@
         </a:lvl9pPr>
       </a:lstStyle>
       <a:style>
-        <a:lnRef idx="0"/>
-        <a:fillRef idx="0"/>
-        <a:effectRef idx="0"/>
+        <a:lnRef idx="0">
+          <a:scrgbClr r="0" g="0" b="0"/>
+        </a:lnRef>
+        <a:fillRef idx="0">
+          <a:scrgbClr r="0" g="0" b="0"/>
+        </a:fillRef>
+        <a:effectRef idx="0">
+          <a:scrgbClr r="0" g="0" b="0"/>
+        </a:effectRef>
         <a:fontRef idx="none"/>
       </a:style>
     </a:lnDef>
@@ -5654,7 +6568,7 @@
         <a:effectLst/>
         <a:sp3d/>
       </a:spPr>
-      <a:bodyPr rot="0" spcFirstLastPara="1" vertOverflow="overflow" horzOverflow="overflow" vert="horz" wrap="square" lIns="45718" tIns="45718" rIns="45718" bIns="45718" numCol="1" spcCol="38100" rtlCol="0" anchor="t" upright="0">
+      <a:bodyPr rot="0" spcFirstLastPara="1" vertOverflow="overflow" horzOverflow="overflow" vert="horz" wrap="square" lIns="45718" tIns="45718" rIns="45718" bIns="45718" numCol="1" spcCol="38100" rtlCol="0" anchor="t">
         <a:spAutoFit/>
       </a:bodyPr>
       <a:lstStyle>
@@ -5673,7 +6587,7 @@
           <a:buFontTx/>
           <a:buNone/>
           <a:tabLst/>
-          <a:defRPr b="0" baseline="0" cap="none" i="0" spc="0" strike="noStrike" sz="1800" u="none" kumimoji="0" normalizeH="0">
+          <a:defRPr kumimoji="0" sz="1800" b="0" i="0" u="none" strike="noStrike" cap="none" spc="0" normalizeH="0" baseline="0">
             <a:ln>
               <a:noFill/>
             </a:ln>
@@ -5703,7 +6617,7 @@
           <a:buFontTx/>
           <a:buNone/>
           <a:tabLst/>
-          <a:defRPr b="0" baseline="0" cap="none" i="0" spc="0" strike="noStrike" sz="1800" u="none" kumimoji="0" normalizeH="0">
+          <a:defRPr kumimoji="0" sz="1800" b="0" i="0" u="none" strike="noStrike" cap="none" spc="0" normalizeH="0" baseline="0">
             <a:ln>
               <a:noFill/>
             </a:ln>
@@ -5729,7 +6643,7 @@
           <a:buFontTx/>
           <a:buNone/>
           <a:tabLst/>
-          <a:defRPr b="0" baseline="0" cap="none" i="0" spc="0" strike="noStrike" sz="1800" u="none" kumimoji="0" normalizeH="0">
+          <a:defRPr kumimoji="0" sz="1800" b="0" i="0" u="none" strike="noStrike" cap="none" spc="0" normalizeH="0" baseline="0">
             <a:ln>
               <a:noFill/>
             </a:ln>
@@ -5755,7 +6669,7 @@
           <a:buFontTx/>
           <a:buNone/>
           <a:tabLst/>
-          <a:defRPr b="0" baseline="0" cap="none" i="0" spc="0" strike="noStrike" sz="1800" u="none" kumimoji="0" normalizeH="0">
+          <a:defRPr kumimoji="0" sz="1800" b="0" i="0" u="none" strike="noStrike" cap="none" spc="0" normalizeH="0" baseline="0">
             <a:ln>
               <a:noFill/>
             </a:ln>
@@ -5781,7 +6695,7 @@
           <a:buFontTx/>
           <a:buNone/>
           <a:tabLst/>
-          <a:defRPr b="0" baseline="0" cap="none" i="0" spc="0" strike="noStrike" sz="1800" u="none" kumimoji="0" normalizeH="0">
+          <a:defRPr kumimoji="0" sz="1800" b="0" i="0" u="none" strike="noStrike" cap="none" spc="0" normalizeH="0" baseline="0">
             <a:ln>
               <a:noFill/>
             </a:ln>
@@ -5807,7 +6721,7 @@
           <a:buFontTx/>
           <a:buNone/>
           <a:tabLst/>
-          <a:defRPr b="0" baseline="0" cap="none" i="0" spc="0" strike="noStrike" sz="1800" u="none" kumimoji="0" normalizeH="0">
+          <a:defRPr kumimoji="0" sz="1800" b="0" i="0" u="none" strike="noStrike" cap="none" spc="0" normalizeH="0" baseline="0">
             <a:ln>
               <a:noFill/>
             </a:ln>
@@ -5833,7 +6747,7 @@
           <a:buFontTx/>
           <a:buNone/>
           <a:tabLst/>
-          <a:defRPr b="0" baseline="0" cap="none" i="0" spc="0" strike="noStrike" sz="1800" u="none" kumimoji="0" normalizeH="0">
+          <a:defRPr kumimoji="0" sz="1800" b="0" i="0" u="none" strike="noStrike" cap="none" spc="0" normalizeH="0" baseline="0">
             <a:ln>
               <a:noFill/>
             </a:ln>
@@ -5859,7 +6773,7 @@
           <a:buFontTx/>
           <a:buNone/>
           <a:tabLst/>
-          <a:defRPr b="0" baseline="0" cap="none" i="0" spc="0" strike="noStrike" sz="1800" u="none" kumimoji="0" normalizeH="0">
+          <a:defRPr kumimoji="0" sz="1800" b="0" i="0" u="none" strike="noStrike" cap="none" spc="0" normalizeH="0" baseline="0">
             <a:ln>
               <a:noFill/>
             </a:ln>
@@ -5885,7 +6799,7 @@
           <a:buFontTx/>
           <a:buNone/>
           <a:tabLst/>
-          <a:defRPr b="0" baseline="0" cap="none" i="0" spc="0" strike="noStrike" sz="1800" u="none" kumimoji="0" normalizeH="0">
+          <a:defRPr kumimoji="0" sz="1800" b="0" i="0" u="none" strike="noStrike" cap="none" spc="0" normalizeH="0" baseline="0">
             <a:ln>
               <a:noFill/>
             </a:ln>
@@ -5911,7 +6825,7 @@
           <a:buFontTx/>
           <a:buNone/>
           <a:tabLst/>
-          <a:defRPr b="0" baseline="0" cap="none" i="0" spc="0" strike="noStrike" sz="1800" u="none" kumimoji="0" normalizeH="0">
+          <a:defRPr kumimoji="0" sz="1800" b="0" i="0" u="none" strike="noStrike" cap="none" spc="0" normalizeH="0" baseline="0">
             <a:ln>
               <a:noFill/>
             </a:ln>
@@ -5924,18 +6838,25 @@
         </a:lvl9pPr>
       </a:lstStyle>
       <a:style>
-        <a:lnRef idx="0"/>
-        <a:fillRef idx="0"/>
-        <a:effectRef idx="0"/>
+        <a:lnRef idx="0">
+          <a:scrgbClr r="0" g="0" b="0"/>
+        </a:lnRef>
+        <a:fillRef idx="0">
+          <a:scrgbClr r="0" g="0" b="0"/>
+        </a:fillRef>
+        <a:effectRef idx="0">
+          <a:scrgbClr r="0" g="0" b="0"/>
+        </a:effectRef>
         <a:fontRef idx="none"/>
       </a:style>
     </a:txDef>
   </a:objectDefaults>
+  <a:extraClrSchemeLst/>
 </a:theme>
 </file>
 
 <file path=ppt/theme/theme2.xml><?xml version="1.0" encoding="utf-8"?>
-<a:theme xmlns:a="http://schemas.openxmlformats.org/drawingml/2006/main" xmlns:r="http://schemas.openxmlformats.org/officeDocument/2006/relationships" name="Office Theme">
+<a:theme xmlns:a="http://schemas.openxmlformats.org/drawingml/2006/main" name="Office Theme">
   <a:themeElements>
     <a:clrScheme name="Office Theme">
       <a:dk1>
@@ -6137,7 +7058,7 @@
         <a:effectLst/>
         <a:sp3d/>
       </a:spPr>
-      <a:bodyPr rot="0" spcFirstLastPara="1" vertOverflow="overflow" horzOverflow="overflow" vert="horz" wrap="square" lIns="45718" tIns="45718" rIns="45718" bIns="45718" numCol="1" spcCol="38100" rtlCol="0" anchor="ctr" upright="0">
+      <a:bodyPr rot="0" spcFirstLastPara="1" vertOverflow="overflow" horzOverflow="overflow" vert="horz" wrap="square" lIns="45718" tIns="45718" rIns="45718" bIns="45718" numCol="1" spcCol="38100" rtlCol="0" anchor="ctr">
         <a:spAutoFit/>
       </a:bodyPr>
       <a:lstStyle>
@@ -6156,7 +7077,7 @@
           <a:buFontTx/>
           <a:buNone/>
           <a:tabLst/>
-          <a:defRPr b="0" baseline="0" cap="none" i="0" spc="0" strike="noStrike" sz="1800" u="none" kumimoji="0" normalizeH="0">
+          <a:defRPr kumimoji="0" sz="1800" b="0" i="0" u="none" strike="noStrike" cap="none" spc="0" normalizeH="0" baseline="0">
             <a:ln>
               <a:noFill/>
             </a:ln>
@@ -6186,7 +7107,7 @@
           <a:buFontTx/>
           <a:buNone/>
           <a:tabLst/>
-          <a:defRPr b="0" baseline="0" cap="none" i="0" spc="0" strike="noStrike" sz="1800" u="none" kumimoji="0" normalizeH="0">
+          <a:defRPr kumimoji="0" sz="1800" b="0" i="0" u="none" strike="noStrike" cap="none" spc="0" normalizeH="0" baseline="0">
             <a:ln>
               <a:noFill/>
             </a:ln>
@@ -6212,7 +7133,7 @@
           <a:buFontTx/>
           <a:buNone/>
           <a:tabLst/>
-          <a:defRPr b="0" baseline="0" cap="none" i="0" spc="0" strike="noStrike" sz="1800" u="none" kumimoji="0" normalizeH="0">
+          <a:defRPr kumimoji="0" sz="1800" b="0" i="0" u="none" strike="noStrike" cap="none" spc="0" normalizeH="0" baseline="0">
             <a:ln>
               <a:noFill/>
             </a:ln>
@@ -6238,7 +7159,7 @@
           <a:buFontTx/>
           <a:buNone/>
           <a:tabLst/>
-          <a:defRPr b="0" baseline="0" cap="none" i="0" spc="0" strike="noStrike" sz="1800" u="none" kumimoji="0" normalizeH="0">
+          <a:defRPr kumimoji="0" sz="1800" b="0" i="0" u="none" strike="noStrike" cap="none" spc="0" normalizeH="0" baseline="0">
             <a:ln>
               <a:noFill/>
             </a:ln>
@@ -6264,7 +7185,7 @@
           <a:buFontTx/>
           <a:buNone/>
           <a:tabLst/>
-          <a:defRPr b="0" baseline="0" cap="none" i="0" spc="0" strike="noStrike" sz="1800" u="none" kumimoji="0" normalizeH="0">
+          <a:defRPr kumimoji="0" sz="1800" b="0" i="0" u="none" strike="noStrike" cap="none" spc="0" normalizeH="0" baseline="0">
             <a:ln>
               <a:noFill/>
             </a:ln>
@@ -6290,7 +7211,7 @@
           <a:buFontTx/>
           <a:buNone/>
           <a:tabLst/>
-          <a:defRPr b="0" baseline="0" cap="none" i="0" spc="0" strike="noStrike" sz="1800" u="none" kumimoji="0" normalizeH="0">
+          <a:defRPr kumimoji="0" sz="1800" b="0" i="0" u="none" strike="noStrike" cap="none" spc="0" normalizeH="0" baseline="0">
             <a:ln>
               <a:noFill/>
             </a:ln>
@@ -6316,7 +7237,7 @@
           <a:buFontTx/>
           <a:buNone/>
           <a:tabLst/>
-          <a:defRPr b="0" baseline="0" cap="none" i="0" spc="0" strike="noStrike" sz="1800" u="none" kumimoji="0" normalizeH="0">
+          <a:defRPr kumimoji="0" sz="1800" b="0" i="0" u="none" strike="noStrike" cap="none" spc="0" normalizeH="0" baseline="0">
             <a:ln>
               <a:noFill/>
             </a:ln>
@@ -6342,7 +7263,7 @@
           <a:buFontTx/>
           <a:buNone/>
           <a:tabLst/>
-          <a:defRPr b="0" baseline="0" cap="none" i="0" spc="0" strike="noStrike" sz="1800" u="none" kumimoji="0" normalizeH="0">
+          <a:defRPr kumimoji="0" sz="1800" b="0" i="0" u="none" strike="noStrike" cap="none" spc="0" normalizeH="0" baseline="0">
             <a:ln>
               <a:noFill/>
             </a:ln>
@@ -6368,7 +7289,7 @@
           <a:buFontTx/>
           <a:buNone/>
           <a:tabLst/>
-          <a:defRPr b="0" baseline="0" cap="none" i="0" spc="0" strike="noStrike" sz="1800" u="none" kumimoji="0" normalizeH="0">
+          <a:defRPr kumimoji="0" sz="1800" b="0" i="0" u="none" strike="noStrike" cap="none" spc="0" normalizeH="0" baseline="0">
             <a:ln>
               <a:noFill/>
             </a:ln>
@@ -6394,7 +7315,7 @@
           <a:buFontTx/>
           <a:buNone/>
           <a:tabLst/>
-          <a:defRPr b="0" baseline="0" cap="none" i="0" spc="0" strike="noStrike" sz="1800" u="none" kumimoji="0" normalizeH="0">
+          <a:defRPr kumimoji="0" sz="1800" b="0" i="0" u="none" strike="noStrike" cap="none" spc="0" normalizeH="0" baseline="0">
             <a:ln>
               <a:noFill/>
             </a:ln>
@@ -6407,9 +7328,15 @@
         </a:lvl9pPr>
       </a:lstStyle>
       <a:style>
-        <a:lnRef idx="0"/>
-        <a:fillRef idx="0"/>
-        <a:effectRef idx="0"/>
+        <a:lnRef idx="0">
+          <a:scrgbClr r="0" g="0" b="0"/>
+        </a:lnRef>
+        <a:fillRef idx="0">
+          <a:scrgbClr r="0" g="0" b="0"/>
+        </a:fillRef>
+        <a:effectRef idx="0">
+          <a:scrgbClr r="0" g="0" b="0"/>
+        </a:effectRef>
         <a:fontRef idx="none"/>
       </a:style>
     </a:spDef>
@@ -6426,7 +7353,7 @@
         <a:effectLst/>
         <a:sp3d/>
       </a:spPr>
-      <a:bodyPr rot="0" spcFirstLastPara="1" vertOverflow="overflow" horzOverflow="overflow" vert="horz" wrap="square" lIns="91439" tIns="45719" rIns="91439" bIns="45719" numCol="1" spcCol="38100" rtlCol="0" anchor="t" upright="0">
+      <a:bodyPr rot="0" spcFirstLastPara="1" vertOverflow="overflow" horzOverflow="overflow" vert="horz" wrap="square" lIns="91439" tIns="45719" rIns="91439" bIns="45719" numCol="1" spcCol="38100" rtlCol="0" anchor="t">
         <a:noAutofit/>
       </a:bodyPr>
       <a:lstStyle>
@@ -6445,7 +7372,7 @@
           <a:buFontTx/>
           <a:buNone/>
           <a:tabLst/>
-          <a:defRPr b="0" baseline="0" cap="none" i="0" spc="0" strike="noStrike" sz="1800" u="none" kumimoji="0" normalizeH="0">
+          <a:defRPr kumimoji="0" sz="1800" b="0" i="0" u="none" strike="noStrike" cap="none" spc="0" normalizeH="0" baseline="0">
             <a:ln>
               <a:noFill/>
             </a:ln>
@@ -6471,7 +7398,7 @@
           <a:buFontTx/>
           <a:buNone/>
           <a:tabLst/>
-          <a:defRPr b="0" baseline="0" cap="none" i="0" spc="0" strike="noStrike" sz="1800" u="none" kumimoji="0" normalizeH="0">
+          <a:defRPr kumimoji="0" sz="1800" b="0" i="0" u="none" strike="noStrike" cap="none" spc="0" normalizeH="0" baseline="0">
             <a:ln>
               <a:noFill/>
             </a:ln>
@@ -6497,7 +7424,7 @@
           <a:buFontTx/>
           <a:buNone/>
           <a:tabLst/>
-          <a:defRPr b="0" baseline="0" cap="none" i="0" spc="0" strike="noStrike" sz="1800" u="none" kumimoji="0" normalizeH="0">
+          <a:defRPr kumimoji="0" sz="1800" b="0" i="0" u="none" strike="noStrike" cap="none" spc="0" normalizeH="0" baseline="0">
             <a:ln>
               <a:noFill/>
             </a:ln>
@@ -6523,7 +7450,7 @@
           <a:buFontTx/>
           <a:buNone/>
           <a:tabLst/>
-          <a:defRPr b="0" baseline="0" cap="none" i="0" spc="0" strike="noStrike" sz="1800" u="none" kumimoji="0" normalizeH="0">
+          <a:defRPr kumimoji="0" sz="1800" b="0" i="0" u="none" strike="noStrike" cap="none" spc="0" normalizeH="0" baseline="0">
             <a:ln>
               <a:noFill/>
             </a:ln>
@@ -6549,7 +7476,7 @@
           <a:buFontTx/>
           <a:buNone/>
           <a:tabLst/>
-          <a:defRPr b="0" baseline="0" cap="none" i="0" spc="0" strike="noStrike" sz="1800" u="none" kumimoji="0" normalizeH="0">
+          <a:defRPr kumimoji="0" sz="1800" b="0" i="0" u="none" strike="noStrike" cap="none" spc="0" normalizeH="0" baseline="0">
             <a:ln>
               <a:noFill/>
             </a:ln>
@@ -6575,7 +7502,7 @@
           <a:buFontTx/>
           <a:buNone/>
           <a:tabLst/>
-          <a:defRPr b="0" baseline="0" cap="none" i="0" spc="0" strike="noStrike" sz="1800" u="none" kumimoji="0" normalizeH="0">
+          <a:defRPr kumimoji="0" sz="1800" b="0" i="0" u="none" strike="noStrike" cap="none" spc="0" normalizeH="0" baseline="0">
             <a:ln>
               <a:noFill/>
             </a:ln>
@@ -6601,7 +7528,7 @@
           <a:buFontTx/>
           <a:buNone/>
           <a:tabLst/>
-          <a:defRPr b="0" baseline="0" cap="none" i="0" spc="0" strike="noStrike" sz="1800" u="none" kumimoji="0" normalizeH="0">
+          <a:defRPr kumimoji="0" sz="1800" b="0" i="0" u="none" strike="noStrike" cap="none" spc="0" normalizeH="0" baseline="0">
             <a:ln>
               <a:noFill/>
             </a:ln>
@@ -6627,7 +7554,7 @@
           <a:buFontTx/>
           <a:buNone/>
           <a:tabLst/>
-          <a:defRPr b="0" baseline="0" cap="none" i="0" spc="0" strike="noStrike" sz="1800" u="none" kumimoji="0" normalizeH="0">
+          <a:defRPr kumimoji="0" sz="1800" b="0" i="0" u="none" strike="noStrike" cap="none" spc="0" normalizeH="0" baseline="0">
             <a:ln>
               <a:noFill/>
             </a:ln>
@@ -6653,7 +7580,7 @@
           <a:buFontTx/>
           <a:buNone/>
           <a:tabLst/>
-          <a:defRPr b="0" baseline="0" cap="none" i="0" spc="0" strike="noStrike" sz="1800" u="none" kumimoji="0" normalizeH="0">
+          <a:defRPr kumimoji="0" sz="1800" b="0" i="0" u="none" strike="noStrike" cap="none" spc="0" normalizeH="0" baseline="0">
             <a:ln>
               <a:noFill/>
             </a:ln>
@@ -6679,7 +7606,7 @@
           <a:buFontTx/>
           <a:buNone/>
           <a:tabLst/>
-          <a:defRPr b="0" baseline="0" cap="none" i="0" spc="0" strike="noStrike" sz="1800" u="none" kumimoji="0" normalizeH="0">
+          <a:defRPr kumimoji="0" sz="1800" b="0" i="0" u="none" strike="noStrike" cap="none" spc="0" normalizeH="0" baseline="0">
             <a:ln>
               <a:noFill/>
             </a:ln>
@@ -6692,9 +7619,15 @@
         </a:lvl9pPr>
       </a:lstStyle>
       <a:style>
-        <a:lnRef idx="0"/>
-        <a:fillRef idx="0"/>
-        <a:effectRef idx="0"/>
+        <a:lnRef idx="0">
+          <a:scrgbClr r="0" g="0" b="0"/>
+        </a:lnRef>
+        <a:fillRef idx="0">
+          <a:scrgbClr r="0" g="0" b="0"/>
+        </a:fillRef>
+        <a:effectRef idx="0">
+          <a:scrgbClr r="0" g="0" b="0"/>
+        </a:effectRef>
         <a:fontRef idx="none"/>
       </a:style>
     </a:lnDef>
@@ -6708,7 +7641,7 @@
         <a:effectLst/>
         <a:sp3d/>
       </a:spPr>
-      <a:bodyPr rot="0" spcFirstLastPara="1" vertOverflow="overflow" horzOverflow="overflow" vert="horz" wrap="square" lIns="45718" tIns="45718" rIns="45718" bIns="45718" numCol="1" spcCol="38100" rtlCol="0" anchor="t" upright="0">
+      <a:bodyPr rot="0" spcFirstLastPara="1" vertOverflow="overflow" horzOverflow="overflow" vert="horz" wrap="square" lIns="45718" tIns="45718" rIns="45718" bIns="45718" numCol="1" spcCol="38100" rtlCol="0" anchor="t">
         <a:spAutoFit/>
       </a:bodyPr>
       <a:lstStyle>
@@ -6727,7 +7660,7 @@
           <a:buFontTx/>
           <a:buNone/>
           <a:tabLst/>
-          <a:defRPr b="0" baseline="0" cap="none" i="0" spc="0" strike="noStrike" sz="1800" u="none" kumimoji="0" normalizeH="0">
+          <a:defRPr kumimoji="0" sz="1800" b="0" i="0" u="none" strike="noStrike" cap="none" spc="0" normalizeH="0" baseline="0">
             <a:ln>
               <a:noFill/>
             </a:ln>
@@ -6757,7 +7690,7 @@
           <a:buFontTx/>
           <a:buNone/>
           <a:tabLst/>
-          <a:defRPr b="0" baseline="0" cap="none" i="0" spc="0" strike="noStrike" sz="1800" u="none" kumimoji="0" normalizeH="0">
+          <a:defRPr kumimoji="0" sz="1800" b="0" i="0" u="none" strike="noStrike" cap="none" spc="0" normalizeH="0" baseline="0">
             <a:ln>
               <a:noFill/>
             </a:ln>
@@ -6783,7 +7716,7 @@
           <a:buFontTx/>
           <a:buNone/>
           <a:tabLst/>
-          <a:defRPr b="0" baseline="0" cap="none" i="0" spc="0" strike="noStrike" sz="1800" u="none" kumimoji="0" normalizeH="0">
+          <a:defRPr kumimoji="0" sz="1800" b="0" i="0" u="none" strike="noStrike" cap="none" spc="0" normalizeH="0" baseline="0">
             <a:ln>
               <a:noFill/>
             </a:ln>
@@ -6809,7 +7742,7 @@
           <a:buFontTx/>
           <a:buNone/>
           <a:tabLst/>
-          <a:defRPr b="0" baseline="0" cap="none" i="0" spc="0" strike="noStrike" sz="1800" u="none" kumimoji="0" normalizeH="0">
+          <a:defRPr kumimoji="0" sz="1800" b="0" i="0" u="none" strike="noStrike" cap="none" spc="0" normalizeH="0" baseline="0">
             <a:ln>
               <a:noFill/>
             </a:ln>
@@ -6835,7 +7768,7 @@
           <a:buFontTx/>
           <a:buNone/>
           <a:tabLst/>
-          <a:defRPr b="0" baseline="0" cap="none" i="0" spc="0" strike="noStrike" sz="1800" u="none" kumimoji="0" normalizeH="0">
+          <a:defRPr kumimoji="0" sz="1800" b="0" i="0" u="none" strike="noStrike" cap="none" spc="0" normalizeH="0" baseline="0">
             <a:ln>
               <a:noFill/>
             </a:ln>
@@ -6861,7 +7794,7 @@
           <a:buFontTx/>
           <a:buNone/>
           <a:tabLst/>
-          <a:defRPr b="0" baseline="0" cap="none" i="0" spc="0" strike="noStrike" sz="1800" u="none" kumimoji="0" normalizeH="0">
+          <a:defRPr kumimoji="0" sz="1800" b="0" i="0" u="none" strike="noStrike" cap="none" spc="0" normalizeH="0" baseline="0">
             <a:ln>
               <a:noFill/>
             </a:ln>
@@ -6887,7 +7820,7 @@
           <a:buFontTx/>
           <a:buNone/>
           <a:tabLst/>
-          <a:defRPr b="0" baseline="0" cap="none" i="0" spc="0" strike="noStrike" sz="1800" u="none" kumimoji="0" normalizeH="0">
+          <a:defRPr kumimoji="0" sz="1800" b="0" i="0" u="none" strike="noStrike" cap="none" spc="0" normalizeH="0" baseline="0">
             <a:ln>
               <a:noFill/>
             </a:ln>
@@ -6913,7 +7846,7 @@
           <a:buFontTx/>
           <a:buNone/>
           <a:tabLst/>
-          <a:defRPr b="0" baseline="0" cap="none" i="0" spc="0" strike="noStrike" sz="1800" u="none" kumimoji="0" normalizeH="0">
+          <a:defRPr kumimoji="0" sz="1800" b="0" i="0" u="none" strike="noStrike" cap="none" spc="0" normalizeH="0" baseline="0">
             <a:ln>
               <a:noFill/>
             </a:ln>
@@ -6939,7 +7872,7 @@
           <a:buFontTx/>
           <a:buNone/>
           <a:tabLst/>
-          <a:defRPr b="0" baseline="0" cap="none" i="0" spc="0" strike="noStrike" sz="1800" u="none" kumimoji="0" normalizeH="0">
+          <a:defRPr kumimoji="0" sz="1800" b="0" i="0" u="none" strike="noStrike" cap="none" spc="0" normalizeH="0" baseline="0">
             <a:ln>
               <a:noFill/>
             </a:ln>
@@ -6965,7 +7898,7 @@
           <a:buFontTx/>
           <a:buNone/>
           <a:tabLst/>
-          <a:defRPr b="0" baseline="0" cap="none" i="0" spc="0" strike="noStrike" sz="1800" u="none" kumimoji="0" normalizeH="0">
+          <a:defRPr kumimoji="0" sz="1800" b="0" i="0" u="none" strike="noStrike" cap="none" spc="0" normalizeH="0" baseline="0">
             <a:ln>
               <a:noFill/>
             </a:ln>
@@ -6978,12 +7911,19 @@
         </a:lvl9pPr>
       </a:lstStyle>
       <a:style>
-        <a:lnRef idx="0"/>
-        <a:fillRef idx="0"/>
-        <a:effectRef idx="0"/>
+        <a:lnRef idx="0">
+          <a:scrgbClr r="0" g="0" b="0"/>
+        </a:lnRef>
+        <a:fillRef idx="0">
+          <a:scrgbClr r="0" g="0" b="0"/>
+        </a:fillRef>
+        <a:effectRef idx="0">
+          <a:scrgbClr r="0" g="0" b="0"/>
+        </a:effectRef>
         <a:fontRef idx="none"/>
       </a:style>
     </a:txDef>
   </a:objectDefaults>
+  <a:extraClrSchemeLst/>
 </a:theme>
 </file>